--- a/src/db/DB.pptx
+++ b/src/db/DB.pptx
@@ -8,6 +8,7 @@
     <p:sldId id="256" r:id="rId2"/>
     <p:sldId id="258" r:id="rId3"/>
     <p:sldId id="257" r:id="rId4"/>
+    <p:sldId id="259" r:id="rId5"/>
   </p:sldIdLst>
   <p:sldSz cx="9144000" cy="6858000" type="screen4x3"/>
   <p:notesSz cx="6858000" cy="9144000"/>
@@ -291,7 +292,7 @@
             <a:fld id="{1D8BD707-D9CF-40AE-B4C6-C98DA3205C09}" type="datetimeFigureOut">
               <a:rPr lang="en-US" smtClean="0"/>
               <a:pPr/>
-              <a:t>11/11/2021</a:t>
+              <a:t>11/12/2021</a:t>
             </a:fld>
             <a:endParaRPr lang="en-US"/>
           </a:p>
@@ -458,7 +459,7 @@
             <a:fld id="{1D8BD707-D9CF-40AE-B4C6-C98DA3205C09}" type="datetimeFigureOut">
               <a:rPr lang="en-US" smtClean="0"/>
               <a:pPr/>
-              <a:t>11/11/2021</a:t>
+              <a:t>11/12/2021</a:t>
             </a:fld>
             <a:endParaRPr lang="en-US"/>
           </a:p>
@@ -635,7 +636,7 @@
             <a:fld id="{1D8BD707-D9CF-40AE-B4C6-C98DA3205C09}" type="datetimeFigureOut">
               <a:rPr lang="en-US" smtClean="0"/>
               <a:pPr/>
-              <a:t>11/11/2021</a:t>
+              <a:t>11/12/2021</a:t>
             </a:fld>
             <a:endParaRPr lang="en-US"/>
           </a:p>
@@ -802,7 +803,7 @@
             <a:fld id="{1D8BD707-D9CF-40AE-B4C6-C98DA3205C09}" type="datetimeFigureOut">
               <a:rPr lang="en-US" smtClean="0"/>
               <a:pPr/>
-              <a:t>11/11/2021</a:t>
+              <a:t>11/12/2021</a:t>
             </a:fld>
             <a:endParaRPr lang="en-US"/>
           </a:p>
@@ -1045,7 +1046,7 @@
             <a:fld id="{1D8BD707-D9CF-40AE-B4C6-C98DA3205C09}" type="datetimeFigureOut">
               <a:rPr lang="en-US" smtClean="0"/>
               <a:pPr/>
-              <a:t>11/11/2021</a:t>
+              <a:t>11/12/2021</a:t>
             </a:fld>
             <a:endParaRPr lang="en-US"/>
           </a:p>
@@ -1330,7 +1331,7 @@
             <a:fld id="{1D8BD707-D9CF-40AE-B4C6-C98DA3205C09}" type="datetimeFigureOut">
               <a:rPr lang="en-US" smtClean="0"/>
               <a:pPr/>
-              <a:t>11/11/2021</a:t>
+              <a:t>11/12/2021</a:t>
             </a:fld>
             <a:endParaRPr lang="en-US"/>
           </a:p>
@@ -1749,7 +1750,7 @@
             <a:fld id="{1D8BD707-D9CF-40AE-B4C6-C98DA3205C09}" type="datetimeFigureOut">
               <a:rPr lang="en-US" smtClean="0"/>
               <a:pPr/>
-              <a:t>11/11/2021</a:t>
+              <a:t>11/12/2021</a:t>
             </a:fld>
             <a:endParaRPr lang="en-US"/>
           </a:p>
@@ -1864,7 +1865,7 @@
             <a:fld id="{1D8BD707-D9CF-40AE-B4C6-C98DA3205C09}" type="datetimeFigureOut">
               <a:rPr lang="en-US" smtClean="0"/>
               <a:pPr/>
-              <a:t>11/11/2021</a:t>
+              <a:t>11/12/2021</a:t>
             </a:fld>
             <a:endParaRPr lang="en-US"/>
           </a:p>
@@ -1956,7 +1957,7 @@
             <a:fld id="{1D8BD707-D9CF-40AE-B4C6-C98DA3205C09}" type="datetimeFigureOut">
               <a:rPr lang="en-US" smtClean="0"/>
               <a:pPr/>
-              <a:t>11/11/2021</a:t>
+              <a:t>11/12/2021</a:t>
             </a:fld>
             <a:endParaRPr lang="en-US"/>
           </a:p>
@@ -2230,7 +2231,7 @@
             <a:fld id="{1D8BD707-D9CF-40AE-B4C6-C98DA3205C09}" type="datetimeFigureOut">
               <a:rPr lang="en-US" smtClean="0"/>
               <a:pPr/>
-              <a:t>11/11/2021</a:t>
+              <a:t>11/12/2021</a:t>
             </a:fld>
             <a:endParaRPr lang="en-US"/>
           </a:p>
@@ -2480,7 +2481,7 @@
             <a:fld id="{1D8BD707-D9CF-40AE-B4C6-C98DA3205C09}" type="datetimeFigureOut">
               <a:rPr lang="en-US" smtClean="0"/>
               <a:pPr/>
-              <a:t>11/11/2021</a:t>
+              <a:t>11/12/2021</a:t>
             </a:fld>
             <a:endParaRPr lang="en-US"/>
           </a:p>
@@ -2690,7 +2691,7 @@
             <a:fld id="{1D8BD707-D9CF-40AE-B4C6-C98DA3205C09}" type="datetimeFigureOut">
               <a:rPr lang="en-US" smtClean="0"/>
               <a:pPr/>
-              <a:t>11/11/2021</a:t>
+              <a:t>11/12/2021</a:t>
             </a:fld>
             <a:endParaRPr lang="en-US"/>
           </a:p>
@@ -3668,7 +3669,7 @@
       </p:grpSpPr>
       <p:pic>
         <p:nvPicPr>
-          <p:cNvPr id="1026" name="Picture 2"/>
+          <p:cNvPr id="2" name="Picture 2"/>
           <p:cNvPicPr>
             <a:picLocks noChangeAspect="1" noChangeArrowheads="1"/>
           </p:cNvPicPr>
@@ -3689,8 +3690,392 @@
         </p:blipFill>
         <p:spPr bwMode="auto">
           <a:xfrm>
-            <a:off x="1143000" y="609600"/>
-            <a:ext cx="3657600" cy="609600"/>
+            <a:off x="1524000" y="235528"/>
+            <a:ext cx="7567234" cy="4917498"/>
+          </a:xfrm>
+          <a:prstGeom prst="rect">
+            <a:avLst/>
+          </a:prstGeom>
+          <a:noFill/>
+          <a:ln>
+            <a:noFill/>
+          </a:ln>
+          <a:effectLst/>
+          <a:extLst>
+            <a:ext uri="{909E8E84-426E-40DD-AFC4-6F175D3DCCD1}">
+              <a14:hiddenFill xmlns:a14="http://schemas.microsoft.com/office/drawing/2010/main">
+                <a:solidFill>
+                  <a:schemeClr val="accent1"/>
+                </a:solidFill>
+              </a14:hiddenFill>
+            </a:ext>
+            <a:ext uri="{91240B29-F687-4F45-9708-019B960494DF}">
+              <a14:hiddenLine xmlns:a14="http://schemas.microsoft.com/office/drawing/2010/main" w="9525">
+                <a:solidFill>
+                  <a:schemeClr val="tx1"/>
+                </a:solidFill>
+                <a:miter lim="800000"/>
+                <a:headEnd/>
+                <a:tailEnd/>
+              </a14:hiddenLine>
+            </a:ext>
+            <a:ext uri="{AF507438-7753-43E0-B8FC-AC1667EBCBE1}">
+              <a14:hiddenEffects xmlns:a14="http://schemas.microsoft.com/office/drawing/2010/main">
+                <a:effectLst>
+                  <a:outerShdw dist="35921" dir="2700000" algn="ctr" rotWithShape="0">
+                    <a:schemeClr val="bg2"/>
+                  </a:outerShdw>
+                </a:effectLst>
+              </a14:hiddenEffects>
+            </a:ext>
+          </a:extLst>
+        </p:spPr>
+      </p:pic>
+      <p:pic>
+        <p:nvPicPr>
+          <p:cNvPr id="1027" name="Picture 3"/>
+          <p:cNvPicPr>
+            <a:picLocks noChangeAspect="1" noChangeArrowheads="1"/>
+          </p:cNvPicPr>
+          <p:nvPr/>
+        </p:nvPicPr>
+        <p:blipFill>
+          <a:blip r:embed="rId3">
+            <a:extLst>
+              <a:ext uri="{28A0092B-C50C-407E-A947-70E740481C1C}">
+                <a14:useLocalDpi xmlns:a14="http://schemas.microsoft.com/office/drawing/2010/main" val="0"/>
+              </a:ext>
+            </a:extLst>
+          </a:blip>
+          <a:srcRect/>
+          <a:stretch>
+            <a:fillRect/>
+          </a:stretch>
+        </p:blipFill>
+        <p:spPr bwMode="auto">
+          <a:xfrm>
+            <a:off x="227011" y="4114800"/>
+            <a:ext cx="1905000" cy="2076450"/>
+          </a:xfrm>
+          <a:prstGeom prst="rect">
+            <a:avLst/>
+          </a:prstGeom>
+          <a:noFill/>
+          <a:ln>
+            <a:noFill/>
+          </a:ln>
+          <a:effectLst/>
+          <a:extLst>
+            <a:ext uri="{909E8E84-426E-40DD-AFC4-6F175D3DCCD1}">
+              <a14:hiddenFill xmlns:a14="http://schemas.microsoft.com/office/drawing/2010/main">
+                <a:solidFill>
+                  <a:schemeClr val="accent1"/>
+                </a:solidFill>
+              </a14:hiddenFill>
+            </a:ext>
+            <a:ext uri="{91240B29-F687-4F45-9708-019B960494DF}">
+              <a14:hiddenLine xmlns:a14="http://schemas.microsoft.com/office/drawing/2010/main" w="9525">
+                <a:solidFill>
+                  <a:schemeClr val="tx1"/>
+                </a:solidFill>
+                <a:miter lim="800000"/>
+                <a:headEnd/>
+                <a:tailEnd/>
+              </a14:hiddenLine>
+            </a:ext>
+            <a:ext uri="{AF507438-7753-43E0-B8FC-AC1667EBCBE1}">
+              <a14:hiddenEffects xmlns:a14="http://schemas.microsoft.com/office/drawing/2010/main">
+                <a:effectLst>
+                  <a:outerShdw dist="35921" dir="2700000" algn="ctr" rotWithShape="0">
+                    <a:schemeClr val="bg2"/>
+                  </a:outerShdw>
+                </a:effectLst>
+              </a14:hiddenEffects>
+            </a:ext>
+          </a:extLst>
+        </p:spPr>
+      </p:pic>
+      <p:pic>
+        <p:nvPicPr>
+          <p:cNvPr id="1028" name="Picture 4"/>
+          <p:cNvPicPr>
+            <a:picLocks noChangeAspect="1" noChangeArrowheads="1"/>
+          </p:cNvPicPr>
+          <p:nvPr/>
+        </p:nvPicPr>
+        <p:blipFill>
+          <a:blip r:embed="rId4">
+            <a:extLst>
+              <a:ext uri="{28A0092B-C50C-407E-A947-70E740481C1C}">
+                <a14:useLocalDpi xmlns:a14="http://schemas.microsoft.com/office/drawing/2010/main" val="0"/>
+              </a:ext>
+            </a:extLst>
+          </a:blip>
+          <a:srcRect/>
+          <a:stretch>
+            <a:fillRect/>
+          </a:stretch>
+        </p:blipFill>
+        <p:spPr bwMode="auto">
+          <a:xfrm>
+            <a:off x="4038600" y="4290580"/>
+            <a:ext cx="4629150" cy="1543050"/>
+          </a:xfrm>
+          <a:prstGeom prst="rect">
+            <a:avLst/>
+          </a:prstGeom>
+          <a:noFill/>
+          <a:ln>
+            <a:noFill/>
+          </a:ln>
+          <a:effectLst/>
+          <a:extLst>
+            <a:ext uri="{909E8E84-426E-40DD-AFC4-6F175D3DCCD1}">
+              <a14:hiddenFill xmlns:a14="http://schemas.microsoft.com/office/drawing/2010/main">
+                <a:solidFill>
+                  <a:schemeClr val="accent1"/>
+                </a:solidFill>
+              </a14:hiddenFill>
+            </a:ext>
+            <a:ext uri="{91240B29-F687-4F45-9708-019B960494DF}">
+              <a14:hiddenLine xmlns:a14="http://schemas.microsoft.com/office/drawing/2010/main" w="9525">
+                <a:solidFill>
+                  <a:schemeClr val="tx1"/>
+                </a:solidFill>
+                <a:miter lim="800000"/>
+                <a:headEnd/>
+                <a:tailEnd/>
+              </a14:hiddenLine>
+            </a:ext>
+            <a:ext uri="{AF507438-7753-43E0-B8FC-AC1667EBCBE1}">
+              <a14:hiddenEffects xmlns:a14="http://schemas.microsoft.com/office/drawing/2010/main">
+                <a:effectLst>
+                  <a:outerShdw dist="35921" dir="2700000" algn="ctr" rotWithShape="0">
+                    <a:schemeClr val="bg2"/>
+                  </a:outerShdw>
+                </a:effectLst>
+              </a14:hiddenEffects>
+            </a:ext>
+          </a:extLst>
+        </p:spPr>
+      </p:pic>
+      <p:pic>
+        <p:nvPicPr>
+          <p:cNvPr id="1029" name="Picture 5"/>
+          <p:cNvPicPr>
+            <a:picLocks noChangeAspect="1" noChangeArrowheads="1"/>
+          </p:cNvPicPr>
+          <p:nvPr/>
+        </p:nvPicPr>
+        <p:blipFill>
+          <a:blip r:embed="rId5">
+            <a:extLst>
+              <a:ext uri="{28A0092B-C50C-407E-A947-70E740481C1C}">
+                <a14:useLocalDpi xmlns:a14="http://schemas.microsoft.com/office/drawing/2010/main" val="0"/>
+              </a:ext>
+            </a:extLst>
+          </a:blip>
+          <a:srcRect/>
+          <a:stretch>
+            <a:fillRect/>
+          </a:stretch>
+        </p:blipFill>
+        <p:spPr bwMode="auto">
+          <a:xfrm>
+            <a:off x="533400" y="6191250"/>
+            <a:ext cx="6562725" cy="476250"/>
+          </a:xfrm>
+          <a:prstGeom prst="rect">
+            <a:avLst/>
+          </a:prstGeom>
+          <a:noFill/>
+          <a:ln>
+            <a:noFill/>
+          </a:ln>
+          <a:effectLst/>
+          <a:extLst>
+            <a:ext uri="{909E8E84-426E-40DD-AFC4-6F175D3DCCD1}">
+              <a14:hiddenFill xmlns:a14="http://schemas.microsoft.com/office/drawing/2010/main">
+                <a:solidFill>
+                  <a:schemeClr val="accent1"/>
+                </a:solidFill>
+              </a14:hiddenFill>
+            </a:ext>
+            <a:ext uri="{91240B29-F687-4F45-9708-019B960494DF}">
+              <a14:hiddenLine xmlns:a14="http://schemas.microsoft.com/office/drawing/2010/main" w="9525">
+                <a:solidFill>
+                  <a:schemeClr val="tx1"/>
+                </a:solidFill>
+                <a:miter lim="800000"/>
+                <a:headEnd/>
+                <a:tailEnd/>
+              </a14:hiddenLine>
+            </a:ext>
+            <a:ext uri="{AF507438-7753-43E0-B8FC-AC1667EBCBE1}">
+              <a14:hiddenEffects xmlns:a14="http://schemas.microsoft.com/office/drawing/2010/main">
+                <a:effectLst>
+                  <a:outerShdw dist="35921" dir="2700000" algn="ctr" rotWithShape="0">
+                    <a:schemeClr val="bg2"/>
+                  </a:outerShdw>
+                </a:effectLst>
+              </a14:hiddenEffects>
+            </a:ext>
+          </a:extLst>
+        </p:spPr>
+      </p:pic>
+      <p:pic>
+        <p:nvPicPr>
+          <p:cNvPr id="1031" name="Picture 7"/>
+          <p:cNvPicPr>
+            <a:picLocks noChangeAspect="1" noChangeArrowheads="1"/>
+          </p:cNvPicPr>
+          <p:nvPr/>
+        </p:nvPicPr>
+        <p:blipFill>
+          <a:blip r:embed="rId6">
+            <a:extLst>
+              <a:ext uri="{28A0092B-C50C-407E-A947-70E740481C1C}">
+                <a14:useLocalDpi xmlns:a14="http://schemas.microsoft.com/office/drawing/2010/main" val="0"/>
+              </a:ext>
+            </a:extLst>
+          </a:blip>
+          <a:srcRect/>
+          <a:stretch>
+            <a:fillRect/>
+          </a:stretch>
+        </p:blipFill>
+        <p:spPr bwMode="auto">
+          <a:xfrm>
+            <a:off x="5651209" y="0"/>
+            <a:ext cx="2114550" cy="1628775"/>
+          </a:xfrm>
+          <a:prstGeom prst="rect">
+            <a:avLst/>
+          </a:prstGeom>
+          <a:noFill/>
+          <a:ln>
+            <a:noFill/>
+          </a:ln>
+          <a:effectLst/>
+          <a:extLst>
+            <a:ext uri="{909E8E84-426E-40DD-AFC4-6F175D3DCCD1}">
+              <a14:hiddenFill xmlns:a14="http://schemas.microsoft.com/office/drawing/2010/main">
+                <a:solidFill>
+                  <a:schemeClr val="accent1"/>
+                </a:solidFill>
+              </a14:hiddenFill>
+            </a:ext>
+            <a:ext uri="{91240B29-F687-4F45-9708-019B960494DF}">
+              <a14:hiddenLine xmlns:a14="http://schemas.microsoft.com/office/drawing/2010/main" w="9525">
+                <a:solidFill>
+                  <a:schemeClr val="tx1"/>
+                </a:solidFill>
+                <a:miter lim="800000"/>
+                <a:headEnd/>
+                <a:tailEnd/>
+              </a14:hiddenLine>
+            </a:ext>
+            <a:ext uri="{AF507438-7753-43E0-B8FC-AC1667EBCBE1}">
+              <a14:hiddenEffects xmlns:a14="http://schemas.microsoft.com/office/drawing/2010/main">
+                <a:effectLst>
+                  <a:outerShdw dist="35921" dir="2700000" algn="ctr" rotWithShape="0">
+                    <a:schemeClr val="bg2"/>
+                  </a:outerShdw>
+                </a:effectLst>
+              </a14:hiddenEffects>
+            </a:ext>
+          </a:extLst>
+        </p:spPr>
+      </p:pic>
+      <p:pic>
+        <p:nvPicPr>
+          <p:cNvPr id="1032" name="Picture 8"/>
+          <p:cNvPicPr>
+            <a:picLocks noChangeAspect="1" noChangeArrowheads="1"/>
+          </p:cNvPicPr>
+          <p:nvPr/>
+        </p:nvPicPr>
+        <p:blipFill>
+          <a:blip r:embed="rId7">
+            <a:extLst>
+              <a:ext uri="{28A0092B-C50C-407E-A947-70E740481C1C}">
+                <a14:useLocalDpi xmlns:a14="http://schemas.microsoft.com/office/drawing/2010/main" val="0"/>
+              </a:ext>
+            </a:extLst>
+          </a:blip>
+          <a:srcRect/>
+          <a:stretch>
+            <a:fillRect/>
+          </a:stretch>
+        </p:blipFill>
+        <p:spPr bwMode="auto">
+          <a:xfrm>
+            <a:off x="179917" y="1641764"/>
+            <a:ext cx="2106084" cy="2332230"/>
+          </a:xfrm>
+          <a:prstGeom prst="rect">
+            <a:avLst/>
+          </a:prstGeom>
+          <a:noFill/>
+          <a:ln>
+            <a:noFill/>
+          </a:ln>
+          <a:effectLst/>
+          <a:extLst>
+            <a:ext uri="{909E8E84-426E-40DD-AFC4-6F175D3DCCD1}">
+              <a14:hiddenFill xmlns:a14="http://schemas.microsoft.com/office/drawing/2010/main">
+                <a:solidFill>
+                  <a:schemeClr val="accent1"/>
+                </a:solidFill>
+              </a14:hiddenFill>
+            </a:ext>
+            <a:ext uri="{91240B29-F687-4F45-9708-019B960494DF}">
+              <a14:hiddenLine xmlns:a14="http://schemas.microsoft.com/office/drawing/2010/main" w="9525">
+                <a:solidFill>
+                  <a:schemeClr val="tx1"/>
+                </a:solidFill>
+                <a:miter lim="800000"/>
+                <a:headEnd/>
+                <a:tailEnd/>
+              </a14:hiddenLine>
+            </a:ext>
+            <a:ext uri="{AF507438-7753-43E0-B8FC-AC1667EBCBE1}">
+              <a14:hiddenEffects xmlns:a14="http://schemas.microsoft.com/office/drawing/2010/main">
+                <a:effectLst>
+                  <a:outerShdw dist="35921" dir="2700000" algn="ctr" rotWithShape="0">
+                    <a:schemeClr val="bg2"/>
+                  </a:outerShdw>
+                </a:effectLst>
+              </a14:hiddenEffects>
+            </a:ext>
+          </a:extLst>
+        </p:spPr>
+      </p:pic>
+      <p:pic>
+        <p:nvPicPr>
+          <p:cNvPr id="1033" name="Picture 9"/>
+          <p:cNvPicPr>
+            <a:picLocks noChangeAspect="1" noChangeArrowheads="1"/>
+          </p:cNvPicPr>
+          <p:nvPr/>
+        </p:nvPicPr>
+        <p:blipFill>
+          <a:blip r:embed="rId8">
+            <a:extLst>
+              <a:ext uri="{28A0092B-C50C-407E-A947-70E740481C1C}">
+                <a14:useLocalDpi xmlns:a14="http://schemas.microsoft.com/office/drawing/2010/main" val="0"/>
+              </a:ext>
+            </a:extLst>
+          </a:blip>
+          <a:srcRect/>
+          <a:stretch>
+            <a:fillRect/>
+          </a:stretch>
+        </p:blipFill>
+        <p:spPr bwMode="auto">
+          <a:xfrm>
+            <a:off x="6172200" y="3435927"/>
+            <a:ext cx="2847975" cy="1838325"/>
           </a:xfrm>
           <a:prstGeom prst="rect">
             <a:avLst/>
@@ -3734,6 +4119,36 @@
     <p:extLst>
       <p:ext uri="{BB962C8B-B14F-4D97-AF65-F5344CB8AC3E}">
         <p14:creationId xmlns:p14="http://schemas.microsoft.com/office/powerpoint/2010/main" val="545581389"/>
+      </p:ext>
+    </p:extLst>
+  </p:cSld>
+  <p:clrMapOvr>
+    <a:masterClrMapping/>
+  </p:clrMapOvr>
+</p:sld>
+</file>
+
+<file path=ppt/slides/slide4.xml><?xml version="1.0" encoding="utf-8"?>
+<p:sld xmlns:a="http://schemas.openxmlformats.org/drawingml/2006/main" xmlns:r="http://schemas.openxmlformats.org/officeDocument/2006/relationships" xmlns:p="http://schemas.openxmlformats.org/presentationml/2006/main">
+  <p:cSld>
+    <p:spTree>
+      <p:nvGrpSpPr>
+        <p:cNvPr id="1" name=""/>
+        <p:cNvGrpSpPr/>
+        <p:nvPr/>
+      </p:nvGrpSpPr>
+      <p:grpSpPr>
+        <a:xfrm>
+          <a:off x="0" y="0"/>
+          <a:ext cx="0" cy="0"/>
+          <a:chOff x="0" y="0"/>
+          <a:chExt cx="0" cy="0"/>
+        </a:xfrm>
+      </p:grpSpPr>
+    </p:spTree>
+    <p:extLst>
+      <p:ext uri="{BB962C8B-B14F-4D97-AF65-F5344CB8AC3E}">
+        <p14:creationId xmlns:p14="http://schemas.microsoft.com/office/powerpoint/2010/main" val="1328282516"/>
       </p:ext>
     </p:extLst>
   </p:cSld>

--- a/src/db/DB.pptx
+++ b/src/db/DB.pptx
@@ -8,7 +8,13 @@
     <p:sldId id="256" r:id="rId2"/>
     <p:sldId id="258" r:id="rId3"/>
     <p:sldId id="257" r:id="rId4"/>
-    <p:sldId id="259" r:id="rId5"/>
+    <p:sldId id="262" r:id="rId5"/>
+    <p:sldId id="263" r:id="rId6"/>
+    <p:sldId id="264" r:id="rId7"/>
+    <p:sldId id="265" r:id="rId8"/>
+    <p:sldId id="261" r:id="rId9"/>
+    <p:sldId id="259" r:id="rId10"/>
+    <p:sldId id="266" r:id="rId11"/>
   </p:sldIdLst>
   <p:sldSz cx="9144000" cy="6858000" type="screen4x3"/>
   <p:notesSz cx="6858000" cy="9144000"/>
@@ -292,7 +298,7 @@
             <a:fld id="{1D8BD707-D9CF-40AE-B4C6-C98DA3205C09}" type="datetimeFigureOut">
               <a:rPr lang="en-US" smtClean="0"/>
               <a:pPr/>
-              <a:t>11/12/2021</a:t>
+              <a:t>11/14/2021</a:t>
             </a:fld>
             <a:endParaRPr lang="en-US"/>
           </a:p>
@@ -459,7 +465,7 @@
             <a:fld id="{1D8BD707-D9CF-40AE-B4C6-C98DA3205C09}" type="datetimeFigureOut">
               <a:rPr lang="en-US" smtClean="0"/>
               <a:pPr/>
-              <a:t>11/12/2021</a:t>
+              <a:t>11/14/2021</a:t>
             </a:fld>
             <a:endParaRPr lang="en-US"/>
           </a:p>
@@ -636,7 +642,7 @@
             <a:fld id="{1D8BD707-D9CF-40AE-B4C6-C98DA3205C09}" type="datetimeFigureOut">
               <a:rPr lang="en-US" smtClean="0"/>
               <a:pPr/>
-              <a:t>11/12/2021</a:t>
+              <a:t>11/14/2021</a:t>
             </a:fld>
             <a:endParaRPr lang="en-US"/>
           </a:p>
@@ -803,7 +809,7 @@
             <a:fld id="{1D8BD707-D9CF-40AE-B4C6-C98DA3205C09}" type="datetimeFigureOut">
               <a:rPr lang="en-US" smtClean="0"/>
               <a:pPr/>
-              <a:t>11/12/2021</a:t>
+              <a:t>11/14/2021</a:t>
             </a:fld>
             <a:endParaRPr lang="en-US"/>
           </a:p>
@@ -1046,7 +1052,7 @@
             <a:fld id="{1D8BD707-D9CF-40AE-B4C6-C98DA3205C09}" type="datetimeFigureOut">
               <a:rPr lang="en-US" smtClean="0"/>
               <a:pPr/>
-              <a:t>11/12/2021</a:t>
+              <a:t>11/14/2021</a:t>
             </a:fld>
             <a:endParaRPr lang="en-US"/>
           </a:p>
@@ -1331,7 +1337,7 @@
             <a:fld id="{1D8BD707-D9CF-40AE-B4C6-C98DA3205C09}" type="datetimeFigureOut">
               <a:rPr lang="en-US" smtClean="0"/>
               <a:pPr/>
-              <a:t>11/12/2021</a:t>
+              <a:t>11/14/2021</a:t>
             </a:fld>
             <a:endParaRPr lang="en-US"/>
           </a:p>
@@ -1750,7 +1756,7 @@
             <a:fld id="{1D8BD707-D9CF-40AE-B4C6-C98DA3205C09}" type="datetimeFigureOut">
               <a:rPr lang="en-US" smtClean="0"/>
               <a:pPr/>
-              <a:t>11/12/2021</a:t>
+              <a:t>11/14/2021</a:t>
             </a:fld>
             <a:endParaRPr lang="en-US"/>
           </a:p>
@@ -1865,7 +1871,7 @@
             <a:fld id="{1D8BD707-D9CF-40AE-B4C6-C98DA3205C09}" type="datetimeFigureOut">
               <a:rPr lang="en-US" smtClean="0"/>
               <a:pPr/>
-              <a:t>11/12/2021</a:t>
+              <a:t>11/14/2021</a:t>
             </a:fld>
             <a:endParaRPr lang="en-US"/>
           </a:p>
@@ -1957,7 +1963,7 @@
             <a:fld id="{1D8BD707-D9CF-40AE-B4C6-C98DA3205C09}" type="datetimeFigureOut">
               <a:rPr lang="en-US" smtClean="0"/>
               <a:pPr/>
-              <a:t>11/12/2021</a:t>
+              <a:t>11/14/2021</a:t>
             </a:fld>
             <a:endParaRPr lang="en-US"/>
           </a:p>
@@ -2231,7 +2237,7 @@
             <a:fld id="{1D8BD707-D9CF-40AE-B4C6-C98DA3205C09}" type="datetimeFigureOut">
               <a:rPr lang="en-US" smtClean="0"/>
               <a:pPr/>
-              <a:t>11/12/2021</a:t>
+              <a:t>11/14/2021</a:t>
             </a:fld>
             <a:endParaRPr lang="en-US"/>
           </a:p>
@@ -2481,7 +2487,7 @@
             <a:fld id="{1D8BD707-D9CF-40AE-B4C6-C98DA3205C09}" type="datetimeFigureOut">
               <a:rPr lang="en-US" smtClean="0"/>
               <a:pPr/>
-              <a:t>11/12/2021</a:t>
+              <a:t>11/14/2021</a:t>
             </a:fld>
             <a:endParaRPr lang="en-US"/>
           </a:p>
@@ -2691,7 +2697,7 @@
             <a:fld id="{1D8BD707-D9CF-40AE-B4C6-C98DA3205C09}" type="datetimeFigureOut">
               <a:rPr lang="en-US" smtClean="0"/>
               <a:pPr/>
-              <a:t>11/12/2021</a:t>
+              <a:t>11/14/2021</a:t>
             </a:fld>
             <a:endParaRPr lang="en-US"/>
           </a:p>
@@ -3192,6 +3198,208 @@
   <p:clrMapOvr>
     <a:masterClrMapping/>
   </p:clrMapOvr>
+  <p:timing>
+    <p:tnLst>
+      <p:par>
+        <p:cTn id="1" dur="indefinite" restart="never" nodeType="tmRoot"/>
+      </p:par>
+    </p:tnLst>
+  </p:timing>
+</p:sld>
+</file>
+
+<file path=ppt/slides/slide10.xml><?xml version="1.0" encoding="utf-8"?>
+<p:sld xmlns:a="http://schemas.openxmlformats.org/drawingml/2006/main" xmlns:r="http://schemas.openxmlformats.org/officeDocument/2006/relationships" xmlns:p="http://schemas.openxmlformats.org/presentationml/2006/main">
+  <p:cSld>
+    <p:spTree>
+      <p:nvGrpSpPr>
+        <p:cNvPr id="1" name=""/>
+        <p:cNvGrpSpPr/>
+        <p:nvPr/>
+      </p:nvGrpSpPr>
+      <p:grpSpPr>
+        <a:xfrm>
+          <a:off x="0" y="0"/>
+          <a:ext cx="0" cy="0"/>
+          <a:chOff x="0" y="0"/>
+          <a:chExt cx="0" cy="0"/>
+        </a:xfrm>
+      </p:grpSpPr>
+      <p:sp>
+        <p:nvSpPr>
+          <p:cNvPr id="2" name="TextBox 1"/>
+          <p:cNvSpPr txBox="1"/>
+          <p:nvPr/>
+        </p:nvSpPr>
+        <p:spPr>
+          <a:xfrm>
+            <a:off x="2970934" y="228600"/>
+            <a:ext cx="1026243" cy="369332"/>
+          </a:xfrm>
+          <a:prstGeom prst="rect">
+            <a:avLst/>
+          </a:prstGeom>
+          <a:noFill/>
+        </p:spPr>
+        <p:txBody>
+          <a:bodyPr wrap="none" rtlCol="0">
+            <a:spAutoFit/>
+          </a:bodyPr>
+          <a:lstStyle/>
+          <a:p>
+            <a:r>
+              <a:rPr lang="en-US" b="1" dirty="0" smtClean="0"/>
+              <a:t>TRIGGER</a:t>
+            </a:r>
+            <a:endParaRPr lang="en-US" b="1" dirty="0"/>
+          </a:p>
+        </p:txBody>
+      </p:sp>
+      <p:pic>
+        <p:nvPicPr>
+          <p:cNvPr id="5122" name="Picture 2"/>
+          <p:cNvPicPr>
+            <a:picLocks noChangeAspect="1" noChangeArrowheads="1"/>
+          </p:cNvPicPr>
+          <p:nvPr/>
+        </p:nvPicPr>
+        <p:blipFill>
+          <a:blip r:embed="rId2">
+            <a:extLst>
+              <a:ext uri="{28A0092B-C50C-407E-A947-70E740481C1C}">
+                <a14:useLocalDpi xmlns:a14="http://schemas.microsoft.com/office/drawing/2010/main" val="0"/>
+              </a:ext>
+            </a:extLst>
+          </a:blip>
+          <a:srcRect/>
+          <a:stretch>
+            <a:fillRect/>
+          </a:stretch>
+        </p:blipFill>
+        <p:spPr bwMode="auto">
+          <a:xfrm>
+            <a:off x="457200" y="881062"/>
+            <a:ext cx="4724400" cy="1438275"/>
+          </a:xfrm>
+          <a:prstGeom prst="rect">
+            <a:avLst/>
+          </a:prstGeom>
+          <a:noFill/>
+          <a:ln>
+            <a:noFill/>
+          </a:ln>
+          <a:effectLst/>
+          <a:extLst>
+            <a:ext uri="{909E8E84-426E-40DD-AFC4-6F175D3DCCD1}">
+              <a14:hiddenFill xmlns:a14="http://schemas.microsoft.com/office/drawing/2010/main">
+                <a:solidFill>
+                  <a:schemeClr val="accent1"/>
+                </a:solidFill>
+              </a14:hiddenFill>
+            </a:ext>
+            <a:ext uri="{91240B29-F687-4F45-9708-019B960494DF}">
+              <a14:hiddenLine xmlns:a14="http://schemas.microsoft.com/office/drawing/2010/main" w="9525">
+                <a:solidFill>
+                  <a:schemeClr val="tx1"/>
+                </a:solidFill>
+                <a:miter lim="800000"/>
+                <a:headEnd/>
+                <a:tailEnd/>
+              </a14:hiddenLine>
+            </a:ext>
+            <a:ext uri="{AF507438-7753-43E0-B8FC-AC1667EBCBE1}">
+              <a14:hiddenEffects xmlns:a14="http://schemas.microsoft.com/office/drawing/2010/main">
+                <a:effectLst>
+                  <a:outerShdw dist="35921" dir="2700000" algn="ctr" rotWithShape="0">
+                    <a:schemeClr val="bg2"/>
+                  </a:outerShdw>
+                </a:effectLst>
+              </a14:hiddenEffects>
+            </a:ext>
+          </a:extLst>
+        </p:spPr>
+      </p:pic>
+      <p:pic>
+        <p:nvPicPr>
+          <p:cNvPr id="5123" name="Picture 3"/>
+          <p:cNvPicPr>
+            <a:picLocks noChangeAspect="1" noChangeArrowheads="1"/>
+          </p:cNvPicPr>
+          <p:nvPr/>
+        </p:nvPicPr>
+        <p:blipFill>
+          <a:blip r:embed="rId3">
+            <a:extLst>
+              <a:ext uri="{28A0092B-C50C-407E-A947-70E740481C1C}">
+                <a14:useLocalDpi xmlns:a14="http://schemas.microsoft.com/office/drawing/2010/main" val="0"/>
+              </a:ext>
+            </a:extLst>
+          </a:blip>
+          <a:srcRect/>
+          <a:stretch>
+            <a:fillRect/>
+          </a:stretch>
+        </p:blipFill>
+        <p:spPr bwMode="auto">
+          <a:xfrm>
+            <a:off x="3810000" y="2743200"/>
+            <a:ext cx="5172075" cy="2609850"/>
+          </a:xfrm>
+          <a:prstGeom prst="rect">
+            <a:avLst/>
+          </a:prstGeom>
+          <a:noFill/>
+          <a:ln>
+            <a:noFill/>
+          </a:ln>
+          <a:effectLst/>
+          <a:extLst>
+            <a:ext uri="{909E8E84-426E-40DD-AFC4-6F175D3DCCD1}">
+              <a14:hiddenFill xmlns:a14="http://schemas.microsoft.com/office/drawing/2010/main">
+                <a:solidFill>
+                  <a:schemeClr val="accent1"/>
+                </a:solidFill>
+              </a14:hiddenFill>
+            </a:ext>
+            <a:ext uri="{91240B29-F687-4F45-9708-019B960494DF}">
+              <a14:hiddenLine xmlns:a14="http://schemas.microsoft.com/office/drawing/2010/main" w="9525">
+                <a:solidFill>
+                  <a:schemeClr val="tx1"/>
+                </a:solidFill>
+                <a:miter lim="800000"/>
+                <a:headEnd/>
+                <a:tailEnd/>
+              </a14:hiddenLine>
+            </a:ext>
+            <a:ext uri="{AF507438-7753-43E0-B8FC-AC1667EBCBE1}">
+              <a14:hiddenEffects xmlns:a14="http://schemas.microsoft.com/office/drawing/2010/main">
+                <a:effectLst>
+                  <a:outerShdw dist="35921" dir="2700000" algn="ctr" rotWithShape="0">
+                    <a:schemeClr val="bg2"/>
+                  </a:outerShdw>
+                </a:effectLst>
+              </a14:hiddenEffects>
+            </a:ext>
+          </a:extLst>
+        </p:spPr>
+      </p:pic>
+    </p:spTree>
+    <p:extLst>
+      <p:ext uri="{BB962C8B-B14F-4D97-AF65-F5344CB8AC3E}">
+        <p14:creationId xmlns:p14="http://schemas.microsoft.com/office/powerpoint/2010/main" val="861637311"/>
+      </p:ext>
+    </p:extLst>
+  </p:cSld>
+  <p:clrMapOvr>
+    <a:masterClrMapping/>
+  </p:clrMapOvr>
+  <p:timing>
+    <p:tnLst>
+      <p:par>
+        <p:cTn id="1" dur="indefinite" restart="never" nodeType="tmRoot"/>
+      </p:par>
+    </p:tnLst>
+  </p:timing>
 </p:sld>
 </file>
 
@@ -3647,6 +3855,13 @@
   <p:clrMapOvr>
     <a:masterClrMapping/>
   </p:clrMapOvr>
+  <p:timing>
+    <p:tnLst>
+      <p:par>
+        <p:cTn id="1" dur="indefinite" restart="never" nodeType="tmRoot"/>
+      </p:par>
+    </p:tnLst>
+  </p:timing>
 </p:sld>
 </file>
 
@@ -4125,6 +4340,13 @@
   <p:clrMapOvr>
     <a:masterClrMapping/>
   </p:clrMapOvr>
+  <p:timing>
+    <p:tnLst>
+      <p:par>
+        <p:cTn id="1" dur="indefinite" restart="never" nodeType="tmRoot"/>
+      </p:par>
+    </p:tnLst>
+  </p:timing>
 </p:sld>
 </file>
 
@@ -4145,6 +4367,2435 @@
           <a:chExt cx="0" cy="0"/>
         </a:xfrm>
       </p:grpSpPr>
+      <p:pic>
+        <p:nvPicPr>
+          <p:cNvPr id="2051" name="Picture 3"/>
+          <p:cNvPicPr>
+            <a:picLocks noChangeAspect="1" noChangeArrowheads="1"/>
+          </p:cNvPicPr>
+          <p:nvPr/>
+        </p:nvPicPr>
+        <p:blipFill>
+          <a:blip r:embed="rId2">
+            <a:extLst>
+              <a:ext uri="{28A0092B-C50C-407E-A947-70E740481C1C}">
+                <a14:useLocalDpi xmlns:a14="http://schemas.microsoft.com/office/drawing/2010/main" val="0"/>
+              </a:ext>
+            </a:extLst>
+          </a:blip>
+          <a:srcRect/>
+          <a:stretch>
+            <a:fillRect/>
+          </a:stretch>
+        </p:blipFill>
+        <p:spPr bwMode="auto">
+          <a:xfrm>
+            <a:off x="685800" y="914400"/>
+            <a:ext cx="2714625" cy="619125"/>
+          </a:xfrm>
+          <a:prstGeom prst="rect">
+            <a:avLst/>
+          </a:prstGeom>
+          <a:noFill/>
+          <a:ln>
+            <a:noFill/>
+          </a:ln>
+          <a:effectLst/>
+          <a:extLst>
+            <a:ext uri="{909E8E84-426E-40DD-AFC4-6F175D3DCCD1}">
+              <a14:hiddenFill xmlns:a14="http://schemas.microsoft.com/office/drawing/2010/main">
+                <a:solidFill>
+                  <a:schemeClr val="accent1"/>
+                </a:solidFill>
+              </a14:hiddenFill>
+            </a:ext>
+            <a:ext uri="{91240B29-F687-4F45-9708-019B960494DF}">
+              <a14:hiddenLine xmlns:a14="http://schemas.microsoft.com/office/drawing/2010/main" w="9525">
+                <a:solidFill>
+                  <a:schemeClr val="tx1"/>
+                </a:solidFill>
+                <a:miter lim="800000"/>
+                <a:headEnd/>
+                <a:tailEnd/>
+              </a14:hiddenLine>
+            </a:ext>
+            <a:ext uri="{AF507438-7753-43E0-B8FC-AC1667EBCBE1}">
+              <a14:hiddenEffects xmlns:a14="http://schemas.microsoft.com/office/drawing/2010/main">
+                <a:effectLst>
+                  <a:outerShdw dist="35921" dir="2700000" algn="ctr" rotWithShape="0">
+                    <a:schemeClr val="bg2"/>
+                  </a:outerShdw>
+                </a:effectLst>
+              </a14:hiddenEffects>
+            </a:ext>
+          </a:extLst>
+        </p:spPr>
+      </p:pic>
+      <p:pic>
+        <p:nvPicPr>
+          <p:cNvPr id="2052" name="Picture 4"/>
+          <p:cNvPicPr>
+            <a:picLocks noChangeAspect="1" noChangeArrowheads="1"/>
+          </p:cNvPicPr>
+          <p:nvPr/>
+        </p:nvPicPr>
+        <p:blipFill>
+          <a:blip r:embed="rId3">
+            <a:extLst>
+              <a:ext uri="{28A0092B-C50C-407E-A947-70E740481C1C}">
+                <a14:useLocalDpi xmlns:a14="http://schemas.microsoft.com/office/drawing/2010/main" val="0"/>
+              </a:ext>
+            </a:extLst>
+          </a:blip>
+          <a:srcRect/>
+          <a:stretch>
+            <a:fillRect/>
+          </a:stretch>
+        </p:blipFill>
+        <p:spPr bwMode="auto">
+          <a:xfrm>
+            <a:off x="4953000" y="895349"/>
+            <a:ext cx="2800350" cy="657225"/>
+          </a:xfrm>
+          <a:prstGeom prst="rect">
+            <a:avLst/>
+          </a:prstGeom>
+          <a:noFill/>
+          <a:ln>
+            <a:noFill/>
+          </a:ln>
+          <a:effectLst/>
+          <a:extLst>
+            <a:ext uri="{909E8E84-426E-40DD-AFC4-6F175D3DCCD1}">
+              <a14:hiddenFill xmlns:a14="http://schemas.microsoft.com/office/drawing/2010/main">
+                <a:solidFill>
+                  <a:schemeClr val="accent1"/>
+                </a:solidFill>
+              </a14:hiddenFill>
+            </a:ext>
+            <a:ext uri="{91240B29-F687-4F45-9708-019B960494DF}">
+              <a14:hiddenLine xmlns:a14="http://schemas.microsoft.com/office/drawing/2010/main" w="9525">
+                <a:solidFill>
+                  <a:schemeClr val="tx1"/>
+                </a:solidFill>
+                <a:miter lim="800000"/>
+                <a:headEnd/>
+                <a:tailEnd/>
+              </a14:hiddenLine>
+            </a:ext>
+            <a:ext uri="{AF507438-7753-43E0-B8FC-AC1667EBCBE1}">
+              <a14:hiddenEffects xmlns:a14="http://schemas.microsoft.com/office/drawing/2010/main">
+                <a:effectLst>
+                  <a:outerShdw dist="35921" dir="2700000" algn="ctr" rotWithShape="0">
+                    <a:schemeClr val="bg2"/>
+                  </a:outerShdw>
+                </a:effectLst>
+              </a14:hiddenEffects>
+            </a:ext>
+          </a:extLst>
+        </p:spPr>
+      </p:pic>
+      <p:pic>
+        <p:nvPicPr>
+          <p:cNvPr id="2053" name="Picture 5"/>
+          <p:cNvPicPr>
+            <a:picLocks noChangeAspect="1" noChangeArrowheads="1"/>
+          </p:cNvPicPr>
+          <p:nvPr/>
+        </p:nvPicPr>
+        <p:blipFill>
+          <a:blip r:embed="rId4">
+            <a:extLst>
+              <a:ext uri="{28A0092B-C50C-407E-A947-70E740481C1C}">
+                <a14:useLocalDpi xmlns:a14="http://schemas.microsoft.com/office/drawing/2010/main" val="0"/>
+              </a:ext>
+            </a:extLst>
+          </a:blip>
+          <a:srcRect/>
+          <a:stretch>
+            <a:fillRect/>
+          </a:stretch>
+        </p:blipFill>
+        <p:spPr bwMode="auto">
+          <a:xfrm>
+            <a:off x="693593" y="2362200"/>
+            <a:ext cx="2686050" cy="428625"/>
+          </a:xfrm>
+          <a:prstGeom prst="rect">
+            <a:avLst/>
+          </a:prstGeom>
+          <a:noFill/>
+          <a:ln>
+            <a:noFill/>
+          </a:ln>
+          <a:effectLst/>
+          <a:extLst>
+            <a:ext uri="{909E8E84-426E-40DD-AFC4-6F175D3DCCD1}">
+              <a14:hiddenFill xmlns:a14="http://schemas.microsoft.com/office/drawing/2010/main">
+                <a:solidFill>
+                  <a:schemeClr val="accent1"/>
+                </a:solidFill>
+              </a14:hiddenFill>
+            </a:ext>
+            <a:ext uri="{91240B29-F687-4F45-9708-019B960494DF}">
+              <a14:hiddenLine xmlns:a14="http://schemas.microsoft.com/office/drawing/2010/main" w="9525">
+                <a:solidFill>
+                  <a:schemeClr val="tx1"/>
+                </a:solidFill>
+                <a:miter lim="800000"/>
+                <a:headEnd/>
+                <a:tailEnd/>
+              </a14:hiddenLine>
+            </a:ext>
+            <a:ext uri="{AF507438-7753-43E0-B8FC-AC1667EBCBE1}">
+              <a14:hiddenEffects xmlns:a14="http://schemas.microsoft.com/office/drawing/2010/main">
+                <a:effectLst>
+                  <a:outerShdw dist="35921" dir="2700000" algn="ctr" rotWithShape="0">
+                    <a:schemeClr val="bg2"/>
+                  </a:outerShdw>
+                </a:effectLst>
+              </a14:hiddenEffects>
+            </a:ext>
+          </a:extLst>
+        </p:spPr>
+      </p:pic>
+      <p:pic>
+        <p:nvPicPr>
+          <p:cNvPr id="2054" name="Picture 6"/>
+          <p:cNvPicPr>
+            <a:picLocks noChangeAspect="1" noChangeArrowheads="1"/>
+          </p:cNvPicPr>
+          <p:nvPr/>
+        </p:nvPicPr>
+        <p:blipFill>
+          <a:blip r:embed="rId5">
+            <a:extLst>
+              <a:ext uri="{28A0092B-C50C-407E-A947-70E740481C1C}">
+                <a14:useLocalDpi xmlns:a14="http://schemas.microsoft.com/office/drawing/2010/main" val="0"/>
+              </a:ext>
+            </a:extLst>
+          </a:blip>
+          <a:srcRect/>
+          <a:stretch>
+            <a:fillRect/>
+          </a:stretch>
+        </p:blipFill>
+        <p:spPr bwMode="auto">
+          <a:xfrm>
+            <a:off x="4800600" y="2371725"/>
+            <a:ext cx="3714750" cy="419100"/>
+          </a:xfrm>
+          <a:prstGeom prst="rect">
+            <a:avLst/>
+          </a:prstGeom>
+          <a:noFill/>
+          <a:ln>
+            <a:noFill/>
+          </a:ln>
+          <a:effectLst/>
+          <a:extLst>
+            <a:ext uri="{909E8E84-426E-40DD-AFC4-6F175D3DCCD1}">
+              <a14:hiddenFill xmlns:a14="http://schemas.microsoft.com/office/drawing/2010/main">
+                <a:solidFill>
+                  <a:schemeClr val="accent1"/>
+                </a:solidFill>
+              </a14:hiddenFill>
+            </a:ext>
+            <a:ext uri="{91240B29-F687-4F45-9708-019B960494DF}">
+              <a14:hiddenLine xmlns:a14="http://schemas.microsoft.com/office/drawing/2010/main" w="9525">
+                <a:solidFill>
+                  <a:schemeClr val="tx1"/>
+                </a:solidFill>
+                <a:miter lim="800000"/>
+                <a:headEnd/>
+                <a:tailEnd/>
+              </a14:hiddenLine>
+            </a:ext>
+            <a:ext uri="{AF507438-7753-43E0-B8FC-AC1667EBCBE1}">
+              <a14:hiddenEffects xmlns:a14="http://schemas.microsoft.com/office/drawing/2010/main">
+                <a:effectLst>
+                  <a:outerShdw dist="35921" dir="2700000" algn="ctr" rotWithShape="0">
+                    <a:schemeClr val="bg2"/>
+                  </a:outerShdw>
+                </a:effectLst>
+              </a14:hiddenEffects>
+            </a:ext>
+          </a:extLst>
+        </p:spPr>
+      </p:pic>
+      <p:pic>
+        <p:nvPicPr>
+          <p:cNvPr id="2055" name="Picture 7"/>
+          <p:cNvPicPr>
+            <a:picLocks noChangeAspect="1" noChangeArrowheads="1"/>
+          </p:cNvPicPr>
+          <p:nvPr/>
+        </p:nvPicPr>
+        <p:blipFill>
+          <a:blip r:embed="rId6">
+            <a:extLst>
+              <a:ext uri="{28A0092B-C50C-407E-A947-70E740481C1C}">
+                <a14:useLocalDpi xmlns:a14="http://schemas.microsoft.com/office/drawing/2010/main" val="0"/>
+              </a:ext>
+            </a:extLst>
+          </a:blip>
+          <a:srcRect/>
+          <a:stretch>
+            <a:fillRect/>
+          </a:stretch>
+        </p:blipFill>
+        <p:spPr bwMode="auto">
+          <a:xfrm>
+            <a:off x="1752600" y="3650240"/>
+            <a:ext cx="2571750" cy="428625"/>
+          </a:xfrm>
+          <a:prstGeom prst="rect">
+            <a:avLst/>
+          </a:prstGeom>
+          <a:noFill/>
+          <a:ln>
+            <a:noFill/>
+          </a:ln>
+          <a:effectLst/>
+          <a:extLst>
+            <a:ext uri="{909E8E84-426E-40DD-AFC4-6F175D3DCCD1}">
+              <a14:hiddenFill xmlns:a14="http://schemas.microsoft.com/office/drawing/2010/main">
+                <a:solidFill>
+                  <a:schemeClr val="accent1"/>
+                </a:solidFill>
+              </a14:hiddenFill>
+            </a:ext>
+            <a:ext uri="{91240B29-F687-4F45-9708-019B960494DF}">
+              <a14:hiddenLine xmlns:a14="http://schemas.microsoft.com/office/drawing/2010/main" w="9525">
+                <a:solidFill>
+                  <a:schemeClr val="tx1"/>
+                </a:solidFill>
+                <a:miter lim="800000"/>
+                <a:headEnd/>
+                <a:tailEnd/>
+              </a14:hiddenLine>
+            </a:ext>
+            <a:ext uri="{AF507438-7753-43E0-B8FC-AC1667EBCBE1}">
+              <a14:hiddenEffects xmlns:a14="http://schemas.microsoft.com/office/drawing/2010/main">
+                <a:effectLst>
+                  <a:outerShdw dist="35921" dir="2700000" algn="ctr" rotWithShape="0">
+                    <a:schemeClr val="bg2"/>
+                  </a:outerShdw>
+                </a:effectLst>
+              </a14:hiddenEffects>
+            </a:ext>
+          </a:extLst>
+        </p:spPr>
+      </p:pic>
+      <p:pic>
+        <p:nvPicPr>
+          <p:cNvPr id="2056" name="Picture 8"/>
+          <p:cNvPicPr>
+            <a:picLocks noChangeAspect="1" noChangeArrowheads="1"/>
+          </p:cNvPicPr>
+          <p:nvPr/>
+        </p:nvPicPr>
+        <p:blipFill>
+          <a:blip r:embed="rId7">
+            <a:extLst>
+              <a:ext uri="{28A0092B-C50C-407E-A947-70E740481C1C}">
+                <a14:useLocalDpi xmlns:a14="http://schemas.microsoft.com/office/drawing/2010/main" val="0"/>
+              </a:ext>
+            </a:extLst>
+          </a:blip>
+          <a:srcRect/>
+          <a:stretch>
+            <a:fillRect/>
+          </a:stretch>
+        </p:blipFill>
+        <p:spPr bwMode="auto">
+          <a:xfrm>
+            <a:off x="4953000" y="3829050"/>
+            <a:ext cx="3381375" cy="800100"/>
+          </a:xfrm>
+          <a:prstGeom prst="rect">
+            <a:avLst/>
+          </a:prstGeom>
+          <a:noFill/>
+          <a:ln>
+            <a:noFill/>
+          </a:ln>
+          <a:effectLst/>
+          <a:extLst>
+            <a:ext uri="{909E8E84-426E-40DD-AFC4-6F175D3DCCD1}">
+              <a14:hiddenFill xmlns:a14="http://schemas.microsoft.com/office/drawing/2010/main">
+                <a:solidFill>
+                  <a:schemeClr val="accent1"/>
+                </a:solidFill>
+              </a14:hiddenFill>
+            </a:ext>
+            <a:ext uri="{91240B29-F687-4F45-9708-019B960494DF}">
+              <a14:hiddenLine xmlns:a14="http://schemas.microsoft.com/office/drawing/2010/main" w="9525">
+                <a:solidFill>
+                  <a:schemeClr val="tx1"/>
+                </a:solidFill>
+                <a:miter lim="800000"/>
+                <a:headEnd/>
+                <a:tailEnd/>
+              </a14:hiddenLine>
+            </a:ext>
+            <a:ext uri="{AF507438-7753-43E0-B8FC-AC1667EBCBE1}">
+              <a14:hiddenEffects xmlns:a14="http://schemas.microsoft.com/office/drawing/2010/main">
+                <a:effectLst>
+                  <a:outerShdw dist="35921" dir="2700000" algn="ctr" rotWithShape="0">
+                    <a:schemeClr val="bg2"/>
+                  </a:outerShdw>
+                </a:effectLst>
+              </a14:hiddenEffects>
+            </a:ext>
+          </a:extLst>
+        </p:spPr>
+      </p:pic>
+      <p:sp>
+        <p:nvSpPr>
+          <p:cNvPr id="9" name="TextBox 8"/>
+          <p:cNvSpPr txBox="1"/>
+          <p:nvPr/>
+        </p:nvSpPr>
+        <p:spPr>
+          <a:xfrm>
+            <a:off x="2970934" y="228600"/>
+            <a:ext cx="5030066" cy="369332"/>
+          </a:xfrm>
+          <a:prstGeom prst="rect">
+            <a:avLst/>
+          </a:prstGeom>
+          <a:noFill/>
+        </p:spPr>
+        <p:txBody>
+          <a:bodyPr wrap="square" rtlCol="0">
+            <a:spAutoFit/>
+          </a:bodyPr>
+          <a:lstStyle/>
+          <a:p>
+            <a:r>
+              <a:rPr lang="en-US" b="1" dirty="0" smtClean="0"/>
+              <a:t>Query</a:t>
+            </a:r>
+            <a:endParaRPr lang="en-US" dirty="0"/>
+          </a:p>
+        </p:txBody>
+      </p:sp>
+    </p:spTree>
+    <p:extLst>
+      <p:ext uri="{BB962C8B-B14F-4D97-AF65-F5344CB8AC3E}">
+        <p14:creationId xmlns:p14="http://schemas.microsoft.com/office/powerpoint/2010/main" val="2579400837"/>
+      </p:ext>
+    </p:extLst>
+  </p:cSld>
+  <p:clrMapOvr>
+    <a:masterClrMapping/>
+  </p:clrMapOvr>
+  <p:timing>
+    <p:tnLst>
+      <p:par>
+        <p:cTn id="1" dur="indefinite" restart="never" nodeType="tmRoot"/>
+      </p:par>
+    </p:tnLst>
+  </p:timing>
+</p:sld>
+</file>
+
+<file path=ppt/slides/slide5.xml><?xml version="1.0" encoding="utf-8"?>
+<p:sld xmlns:a="http://schemas.openxmlformats.org/drawingml/2006/main" xmlns:r="http://schemas.openxmlformats.org/officeDocument/2006/relationships" xmlns:p="http://schemas.openxmlformats.org/presentationml/2006/main">
+  <p:cSld>
+    <p:spTree>
+      <p:nvGrpSpPr>
+        <p:cNvPr id="1" name=""/>
+        <p:cNvGrpSpPr/>
+        <p:nvPr/>
+      </p:nvGrpSpPr>
+      <p:grpSpPr>
+        <a:xfrm>
+          <a:off x="0" y="0"/>
+          <a:ext cx="0" cy="0"/>
+          <a:chOff x="0" y="0"/>
+          <a:chExt cx="0" cy="0"/>
+        </a:xfrm>
+      </p:grpSpPr>
+      <p:sp>
+        <p:nvSpPr>
+          <p:cNvPr id="2" name="TextBox 1"/>
+          <p:cNvSpPr txBox="1"/>
+          <p:nvPr/>
+        </p:nvSpPr>
+        <p:spPr>
+          <a:xfrm>
+            <a:off x="2970934" y="228600"/>
+            <a:ext cx="5030066" cy="369332"/>
+          </a:xfrm>
+          <a:prstGeom prst="rect">
+            <a:avLst/>
+          </a:prstGeom>
+          <a:noFill/>
+        </p:spPr>
+        <p:txBody>
+          <a:bodyPr wrap="square" rtlCol="0">
+            <a:spAutoFit/>
+          </a:bodyPr>
+          <a:lstStyle/>
+          <a:p>
+            <a:r>
+              <a:rPr lang="en-US" b="1" dirty="0" smtClean="0"/>
+              <a:t>Functions</a:t>
+            </a:r>
+            <a:endParaRPr lang="en-US" dirty="0"/>
+          </a:p>
+        </p:txBody>
+      </p:sp>
+      <p:pic>
+        <p:nvPicPr>
+          <p:cNvPr id="3074" name="Picture 2"/>
+          <p:cNvPicPr>
+            <a:picLocks noChangeAspect="1" noChangeArrowheads="1"/>
+          </p:cNvPicPr>
+          <p:nvPr/>
+        </p:nvPicPr>
+        <p:blipFill>
+          <a:blip r:embed="rId2">
+            <a:extLst>
+              <a:ext uri="{28A0092B-C50C-407E-A947-70E740481C1C}">
+                <a14:useLocalDpi xmlns:a14="http://schemas.microsoft.com/office/drawing/2010/main" val="0"/>
+              </a:ext>
+            </a:extLst>
+          </a:blip>
+          <a:srcRect/>
+          <a:stretch>
+            <a:fillRect/>
+          </a:stretch>
+        </p:blipFill>
+        <p:spPr bwMode="auto">
+          <a:xfrm>
+            <a:off x="914400" y="1676400"/>
+            <a:ext cx="3419475" cy="600075"/>
+          </a:xfrm>
+          <a:prstGeom prst="rect">
+            <a:avLst/>
+          </a:prstGeom>
+          <a:noFill/>
+          <a:ln>
+            <a:noFill/>
+          </a:ln>
+          <a:effectLst/>
+          <a:extLst>
+            <a:ext uri="{909E8E84-426E-40DD-AFC4-6F175D3DCCD1}">
+              <a14:hiddenFill xmlns:a14="http://schemas.microsoft.com/office/drawing/2010/main">
+                <a:solidFill>
+                  <a:schemeClr val="accent1"/>
+                </a:solidFill>
+              </a14:hiddenFill>
+            </a:ext>
+            <a:ext uri="{91240B29-F687-4F45-9708-019B960494DF}">
+              <a14:hiddenLine xmlns:a14="http://schemas.microsoft.com/office/drawing/2010/main" w="9525">
+                <a:solidFill>
+                  <a:schemeClr val="tx1"/>
+                </a:solidFill>
+                <a:miter lim="800000"/>
+                <a:headEnd/>
+                <a:tailEnd/>
+              </a14:hiddenLine>
+            </a:ext>
+            <a:ext uri="{AF507438-7753-43E0-B8FC-AC1667EBCBE1}">
+              <a14:hiddenEffects xmlns:a14="http://schemas.microsoft.com/office/drawing/2010/main">
+                <a:effectLst>
+                  <a:outerShdw dist="35921" dir="2700000" algn="ctr" rotWithShape="0">
+                    <a:schemeClr val="bg2"/>
+                  </a:outerShdw>
+                </a:effectLst>
+              </a14:hiddenEffects>
+            </a:ext>
+          </a:extLst>
+        </p:spPr>
+      </p:pic>
+      <p:pic>
+        <p:nvPicPr>
+          <p:cNvPr id="3075" name="Picture 3"/>
+          <p:cNvPicPr>
+            <a:picLocks noChangeAspect="1" noChangeArrowheads="1"/>
+          </p:cNvPicPr>
+          <p:nvPr/>
+        </p:nvPicPr>
+        <p:blipFill>
+          <a:blip r:embed="rId3">
+            <a:extLst>
+              <a:ext uri="{28A0092B-C50C-407E-A947-70E740481C1C}">
+                <a14:useLocalDpi xmlns:a14="http://schemas.microsoft.com/office/drawing/2010/main" val="0"/>
+              </a:ext>
+            </a:extLst>
+          </a:blip>
+          <a:srcRect/>
+          <a:stretch>
+            <a:fillRect/>
+          </a:stretch>
+        </p:blipFill>
+        <p:spPr bwMode="auto">
+          <a:xfrm>
+            <a:off x="4724400" y="2304184"/>
+            <a:ext cx="2905125" cy="600075"/>
+          </a:xfrm>
+          <a:prstGeom prst="rect">
+            <a:avLst/>
+          </a:prstGeom>
+          <a:noFill/>
+          <a:ln>
+            <a:noFill/>
+          </a:ln>
+          <a:effectLst/>
+          <a:extLst>
+            <a:ext uri="{909E8E84-426E-40DD-AFC4-6F175D3DCCD1}">
+              <a14:hiddenFill xmlns:a14="http://schemas.microsoft.com/office/drawing/2010/main">
+                <a:solidFill>
+                  <a:schemeClr val="accent1"/>
+                </a:solidFill>
+              </a14:hiddenFill>
+            </a:ext>
+            <a:ext uri="{91240B29-F687-4F45-9708-019B960494DF}">
+              <a14:hiddenLine xmlns:a14="http://schemas.microsoft.com/office/drawing/2010/main" w="9525">
+                <a:solidFill>
+                  <a:schemeClr val="tx1"/>
+                </a:solidFill>
+                <a:miter lim="800000"/>
+                <a:headEnd/>
+                <a:tailEnd/>
+              </a14:hiddenLine>
+            </a:ext>
+            <a:ext uri="{AF507438-7753-43E0-B8FC-AC1667EBCBE1}">
+              <a14:hiddenEffects xmlns:a14="http://schemas.microsoft.com/office/drawing/2010/main">
+                <a:effectLst>
+                  <a:outerShdw dist="35921" dir="2700000" algn="ctr" rotWithShape="0">
+                    <a:schemeClr val="bg2"/>
+                  </a:outerShdw>
+                </a:effectLst>
+              </a14:hiddenEffects>
+            </a:ext>
+          </a:extLst>
+        </p:spPr>
+      </p:pic>
+      <p:pic>
+        <p:nvPicPr>
+          <p:cNvPr id="3076" name="Picture 4"/>
+          <p:cNvPicPr>
+            <a:picLocks noChangeAspect="1" noChangeArrowheads="1"/>
+          </p:cNvPicPr>
+          <p:nvPr/>
+        </p:nvPicPr>
+        <p:blipFill>
+          <a:blip r:embed="rId4">
+            <a:extLst>
+              <a:ext uri="{28A0092B-C50C-407E-A947-70E740481C1C}">
+                <a14:useLocalDpi xmlns:a14="http://schemas.microsoft.com/office/drawing/2010/main" val="0"/>
+              </a:ext>
+            </a:extLst>
+          </a:blip>
+          <a:srcRect/>
+          <a:stretch>
+            <a:fillRect/>
+          </a:stretch>
+        </p:blipFill>
+        <p:spPr bwMode="auto">
+          <a:xfrm>
+            <a:off x="685800" y="3810000"/>
+            <a:ext cx="2514600" cy="400050"/>
+          </a:xfrm>
+          <a:prstGeom prst="rect">
+            <a:avLst/>
+          </a:prstGeom>
+          <a:noFill/>
+          <a:ln>
+            <a:noFill/>
+          </a:ln>
+          <a:effectLst/>
+          <a:extLst>
+            <a:ext uri="{909E8E84-426E-40DD-AFC4-6F175D3DCCD1}">
+              <a14:hiddenFill xmlns:a14="http://schemas.microsoft.com/office/drawing/2010/main">
+                <a:solidFill>
+                  <a:schemeClr val="accent1"/>
+                </a:solidFill>
+              </a14:hiddenFill>
+            </a:ext>
+            <a:ext uri="{91240B29-F687-4F45-9708-019B960494DF}">
+              <a14:hiddenLine xmlns:a14="http://schemas.microsoft.com/office/drawing/2010/main" w="9525">
+                <a:solidFill>
+                  <a:schemeClr val="tx1"/>
+                </a:solidFill>
+                <a:miter lim="800000"/>
+                <a:headEnd/>
+                <a:tailEnd/>
+              </a14:hiddenLine>
+            </a:ext>
+            <a:ext uri="{AF507438-7753-43E0-B8FC-AC1667EBCBE1}">
+              <a14:hiddenEffects xmlns:a14="http://schemas.microsoft.com/office/drawing/2010/main">
+                <a:effectLst>
+                  <a:outerShdw dist="35921" dir="2700000" algn="ctr" rotWithShape="0">
+                    <a:schemeClr val="bg2"/>
+                  </a:outerShdw>
+                </a:effectLst>
+              </a14:hiddenEffects>
+            </a:ext>
+          </a:extLst>
+        </p:spPr>
+      </p:pic>
+      <p:pic>
+        <p:nvPicPr>
+          <p:cNvPr id="3077" name="Picture 5"/>
+          <p:cNvPicPr>
+            <a:picLocks noChangeAspect="1" noChangeArrowheads="1"/>
+          </p:cNvPicPr>
+          <p:nvPr/>
+        </p:nvPicPr>
+        <p:blipFill>
+          <a:blip r:embed="rId5">
+            <a:extLst>
+              <a:ext uri="{28A0092B-C50C-407E-A947-70E740481C1C}">
+                <a14:useLocalDpi xmlns:a14="http://schemas.microsoft.com/office/drawing/2010/main" val="0"/>
+              </a:ext>
+            </a:extLst>
+          </a:blip>
+          <a:srcRect/>
+          <a:stretch>
+            <a:fillRect/>
+          </a:stretch>
+        </p:blipFill>
+        <p:spPr bwMode="auto">
+          <a:xfrm>
+            <a:off x="5029200" y="3663661"/>
+            <a:ext cx="2428875" cy="381000"/>
+          </a:xfrm>
+          <a:prstGeom prst="rect">
+            <a:avLst/>
+          </a:prstGeom>
+          <a:noFill/>
+          <a:ln>
+            <a:noFill/>
+          </a:ln>
+          <a:effectLst/>
+          <a:extLst>
+            <a:ext uri="{909E8E84-426E-40DD-AFC4-6F175D3DCCD1}">
+              <a14:hiddenFill xmlns:a14="http://schemas.microsoft.com/office/drawing/2010/main">
+                <a:solidFill>
+                  <a:schemeClr val="accent1"/>
+                </a:solidFill>
+              </a14:hiddenFill>
+            </a:ext>
+            <a:ext uri="{91240B29-F687-4F45-9708-019B960494DF}">
+              <a14:hiddenLine xmlns:a14="http://schemas.microsoft.com/office/drawing/2010/main" w="9525">
+                <a:solidFill>
+                  <a:schemeClr val="tx1"/>
+                </a:solidFill>
+                <a:miter lim="800000"/>
+                <a:headEnd/>
+                <a:tailEnd/>
+              </a14:hiddenLine>
+            </a:ext>
+            <a:ext uri="{AF507438-7753-43E0-B8FC-AC1667EBCBE1}">
+              <a14:hiddenEffects xmlns:a14="http://schemas.microsoft.com/office/drawing/2010/main">
+                <a:effectLst>
+                  <a:outerShdw dist="35921" dir="2700000" algn="ctr" rotWithShape="0">
+                    <a:schemeClr val="bg2"/>
+                  </a:outerShdw>
+                </a:effectLst>
+              </a14:hiddenEffects>
+            </a:ext>
+          </a:extLst>
+        </p:spPr>
+      </p:pic>
+      <p:pic>
+        <p:nvPicPr>
+          <p:cNvPr id="3078" name="Picture 6"/>
+          <p:cNvPicPr>
+            <a:picLocks noChangeAspect="1" noChangeArrowheads="1"/>
+          </p:cNvPicPr>
+          <p:nvPr/>
+        </p:nvPicPr>
+        <p:blipFill>
+          <a:blip r:embed="rId6">
+            <a:extLst>
+              <a:ext uri="{28A0092B-C50C-407E-A947-70E740481C1C}">
+                <a14:useLocalDpi xmlns:a14="http://schemas.microsoft.com/office/drawing/2010/main" val="0"/>
+              </a:ext>
+            </a:extLst>
+          </a:blip>
+          <a:srcRect/>
+          <a:stretch>
+            <a:fillRect/>
+          </a:stretch>
+        </p:blipFill>
+        <p:spPr bwMode="auto">
+          <a:xfrm>
+            <a:off x="3409950" y="4724400"/>
+            <a:ext cx="2628900" cy="476250"/>
+          </a:xfrm>
+          <a:prstGeom prst="rect">
+            <a:avLst/>
+          </a:prstGeom>
+          <a:noFill/>
+          <a:ln>
+            <a:noFill/>
+          </a:ln>
+          <a:effectLst/>
+          <a:extLst>
+            <a:ext uri="{909E8E84-426E-40DD-AFC4-6F175D3DCCD1}">
+              <a14:hiddenFill xmlns:a14="http://schemas.microsoft.com/office/drawing/2010/main">
+                <a:solidFill>
+                  <a:schemeClr val="accent1"/>
+                </a:solidFill>
+              </a14:hiddenFill>
+            </a:ext>
+            <a:ext uri="{91240B29-F687-4F45-9708-019B960494DF}">
+              <a14:hiddenLine xmlns:a14="http://schemas.microsoft.com/office/drawing/2010/main" w="9525">
+                <a:solidFill>
+                  <a:schemeClr val="tx1"/>
+                </a:solidFill>
+                <a:miter lim="800000"/>
+                <a:headEnd/>
+                <a:tailEnd/>
+              </a14:hiddenLine>
+            </a:ext>
+            <a:ext uri="{AF507438-7753-43E0-B8FC-AC1667EBCBE1}">
+              <a14:hiddenEffects xmlns:a14="http://schemas.microsoft.com/office/drawing/2010/main">
+                <a:effectLst>
+                  <a:outerShdw dist="35921" dir="2700000" algn="ctr" rotWithShape="0">
+                    <a:schemeClr val="bg2"/>
+                  </a:outerShdw>
+                </a:effectLst>
+              </a14:hiddenEffects>
+            </a:ext>
+          </a:extLst>
+        </p:spPr>
+      </p:pic>
+    </p:spTree>
+    <p:extLst>
+      <p:ext uri="{BB962C8B-B14F-4D97-AF65-F5344CB8AC3E}">
+        <p14:creationId xmlns:p14="http://schemas.microsoft.com/office/powerpoint/2010/main" val="2826046278"/>
+      </p:ext>
+    </p:extLst>
+  </p:cSld>
+  <p:clrMapOvr>
+    <a:masterClrMapping/>
+  </p:clrMapOvr>
+  <p:timing>
+    <p:tnLst>
+      <p:par>
+        <p:cTn id="1" dur="indefinite" restart="never" nodeType="tmRoot"/>
+      </p:par>
+    </p:tnLst>
+  </p:timing>
+</p:sld>
+</file>
+
+<file path=ppt/slides/slide6.xml><?xml version="1.0" encoding="utf-8"?>
+<p:sld xmlns:a="http://schemas.openxmlformats.org/drawingml/2006/main" xmlns:r="http://schemas.openxmlformats.org/officeDocument/2006/relationships" xmlns:p="http://schemas.openxmlformats.org/presentationml/2006/main">
+  <p:cSld>
+    <p:spTree>
+      <p:nvGrpSpPr>
+        <p:cNvPr id="1" name=""/>
+        <p:cNvGrpSpPr/>
+        <p:nvPr/>
+      </p:nvGrpSpPr>
+      <p:grpSpPr>
+        <a:xfrm>
+          <a:off x="0" y="0"/>
+          <a:ext cx="0" cy="0"/>
+          <a:chOff x="0" y="0"/>
+          <a:chExt cx="0" cy="0"/>
+        </a:xfrm>
+      </p:grpSpPr>
+      <p:sp>
+        <p:nvSpPr>
+          <p:cNvPr id="2" name="TextBox 1"/>
+          <p:cNvSpPr txBox="1"/>
+          <p:nvPr/>
+        </p:nvSpPr>
+        <p:spPr>
+          <a:xfrm>
+            <a:off x="2970934" y="228600"/>
+            <a:ext cx="5030066" cy="369332"/>
+          </a:xfrm>
+          <a:prstGeom prst="rect">
+            <a:avLst/>
+          </a:prstGeom>
+          <a:noFill/>
+        </p:spPr>
+        <p:txBody>
+          <a:bodyPr wrap="square" rtlCol="0">
+            <a:spAutoFit/>
+          </a:bodyPr>
+          <a:lstStyle/>
+          <a:p>
+            <a:r>
+              <a:rPr lang="en-US" b="1" dirty="0" smtClean="0"/>
+              <a:t>Wild Cards &amp; Unions</a:t>
+            </a:r>
+          </a:p>
+        </p:txBody>
+      </p:sp>
+      <p:pic>
+        <p:nvPicPr>
+          <p:cNvPr id="4098" name="Picture 2"/>
+          <p:cNvPicPr>
+            <a:picLocks noChangeAspect="1" noChangeArrowheads="1"/>
+          </p:cNvPicPr>
+          <p:nvPr/>
+        </p:nvPicPr>
+        <p:blipFill>
+          <a:blip r:embed="rId2">
+            <a:extLst>
+              <a:ext uri="{28A0092B-C50C-407E-A947-70E740481C1C}">
+                <a14:useLocalDpi xmlns:a14="http://schemas.microsoft.com/office/drawing/2010/main" val="0"/>
+              </a:ext>
+            </a:extLst>
+          </a:blip>
+          <a:srcRect/>
+          <a:stretch>
+            <a:fillRect/>
+          </a:stretch>
+        </p:blipFill>
+        <p:spPr bwMode="auto">
+          <a:xfrm>
+            <a:off x="609600" y="1524000"/>
+            <a:ext cx="3714750" cy="400050"/>
+          </a:xfrm>
+          <a:prstGeom prst="rect">
+            <a:avLst/>
+          </a:prstGeom>
+          <a:noFill/>
+          <a:ln>
+            <a:noFill/>
+          </a:ln>
+          <a:effectLst/>
+          <a:extLst>
+            <a:ext uri="{909E8E84-426E-40DD-AFC4-6F175D3DCCD1}">
+              <a14:hiddenFill xmlns:a14="http://schemas.microsoft.com/office/drawing/2010/main">
+                <a:solidFill>
+                  <a:schemeClr val="accent1"/>
+                </a:solidFill>
+              </a14:hiddenFill>
+            </a:ext>
+            <a:ext uri="{91240B29-F687-4F45-9708-019B960494DF}">
+              <a14:hiddenLine xmlns:a14="http://schemas.microsoft.com/office/drawing/2010/main" w="9525">
+                <a:solidFill>
+                  <a:schemeClr val="tx1"/>
+                </a:solidFill>
+                <a:miter lim="800000"/>
+                <a:headEnd/>
+                <a:tailEnd/>
+              </a14:hiddenLine>
+            </a:ext>
+            <a:ext uri="{AF507438-7753-43E0-B8FC-AC1667EBCBE1}">
+              <a14:hiddenEffects xmlns:a14="http://schemas.microsoft.com/office/drawing/2010/main">
+                <a:effectLst>
+                  <a:outerShdw dist="35921" dir="2700000" algn="ctr" rotWithShape="0">
+                    <a:schemeClr val="bg2"/>
+                  </a:outerShdw>
+                </a:effectLst>
+              </a14:hiddenEffects>
+            </a:ext>
+          </a:extLst>
+        </p:spPr>
+      </p:pic>
+      <p:pic>
+        <p:nvPicPr>
+          <p:cNvPr id="4099" name="Picture 3"/>
+          <p:cNvPicPr>
+            <a:picLocks noChangeAspect="1" noChangeArrowheads="1"/>
+          </p:cNvPicPr>
+          <p:nvPr/>
+        </p:nvPicPr>
+        <p:blipFill>
+          <a:blip r:embed="rId3">
+            <a:extLst>
+              <a:ext uri="{28A0092B-C50C-407E-A947-70E740481C1C}">
+                <a14:useLocalDpi xmlns:a14="http://schemas.microsoft.com/office/drawing/2010/main" val="0"/>
+              </a:ext>
+            </a:extLst>
+          </a:blip>
+          <a:srcRect/>
+          <a:stretch>
+            <a:fillRect/>
+          </a:stretch>
+        </p:blipFill>
+        <p:spPr bwMode="auto">
+          <a:xfrm>
+            <a:off x="4114800" y="2209800"/>
+            <a:ext cx="3648075" cy="485775"/>
+          </a:xfrm>
+          <a:prstGeom prst="rect">
+            <a:avLst/>
+          </a:prstGeom>
+          <a:noFill/>
+          <a:ln>
+            <a:noFill/>
+          </a:ln>
+          <a:effectLst/>
+          <a:extLst>
+            <a:ext uri="{909E8E84-426E-40DD-AFC4-6F175D3DCCD1}">
+              <a14:hiddenFill xmlns:a14="http://schemas.microsoft.com/office/drawing/2010/main">
+                <a:solidFill>
+                  <a:schemeClr val="accent1"/>
+                </a:solidFill>
+              </a14:hiddenFill>
+            </a:ext>
+            <a:ext uri="{91240B29-F687-4F45-9708-019B960494DF}">
+              <a14:hiddenLine xmlns:a14="http://schemas.microsoft.com/office/drawing/2010/main" w="9525">
+                <a:solidFill>
+                  <a:schemeClr val="tx1"/>
+                </a:solidFill>
+                <a:miter lim="800000"/>
+                <a:headEnd/>
+                <a:tailEnd/>
+              </a14:hiddenLine>
+            </a:ext>
+            <a:ext uri="{AF507438-7753-43E0-B8FC-AC1667EBCBE1}">
+              <a14:hiddenEffects xmlns:a14="http://schemas.microsoft.com/office/drawing/2010/main">
+                <a:effectLst>
+                  <a:outerShdw dist="35921" dir="2700000" algn="ctr" rotWithShape="0">
+                    <a:schemeClr val="bg2"/>
+                  </a:outerShdw>
+                </a:effectLst>
+              </a14:hiddenEffects>
+            </a:ext>
+          </a:extLst>
+        </p:spPr>
+      </p:pic>
+      <p:pic>
+        <p:nvPicPr>
+          <p:cNvPr id="4100" name="Picture 4"/>
+          <p:cNvPicPr>
+            <a:picLocks noChangeAspect="1" noChangeArrowheads="1"/>
+          </p:cNvPicPr>
+          <p:nvPr/>
+        </p:nvPicPr>
+        <p:blipFill>
+          <a:blip r:embed="rId4">
+            <a:extLst>
+              <a:ext uri="{28A0092B-C50C-407E-A947-70E740481C1C}">
+                <a14:useLocalDpi xmlns:a14="http://schemas.microsoft.com/office/drawing/2010/main" val="0"/>
+              </a:ext>
+            </a:extLst>
+          </a:blip>
+          <a:srcRect/>
+          <a:stretch>
+            <a:fillRect/>
+          </a:stretch>
+        </p:blipFill>
+        <p:spPr bwMode="auto">
+          <a:xfrm>
+            <a:off x="840798" y="2933700"/>
+            <a:ext cx="3800475" cy="495300"/>
+          </a:xfrm>
+          <a:prstGeom prst="rect">
+            <a:avLst/>
+          </a:prstGeom>
+          <a:noFill/>
+          <a:ln>
+            <a:noFill/>
+          </a:ln>
+          <a:effectLst/>
+          <a:extLst>
+            <a:ext uri="{909E8E84-426E-40DD-AFC4-6F175D3DCCD1}">
+              <a14:hiddenFill xmlns:a14="http://schemas.microsoft.com/office/drawing/2010/main">
+                <a:solidFill>
+                  <a:schemeClr val="accent1"/>
+                </a:solidFill>
+              </a14:hiddenFill>
+            </a:ext>
+            <a:ext uri="{91240B29-F687-4F45-9708-019B960494DF}">
+              <a14:hiddenLine xmlns:a14="http://schemas.microsoft.com/office/drawing/2010/main" w="9525">
+                <a:solidFill>
+                  <a:schemeClr val="tx1"/>
+                </a:solidFill>
+                <a:miter lim="800000"/>
+                <a:headEnd/>
+                <a:tailEnd/>
+              </a14:hiddenLine>
+            </a:ext>
+            <a:ext uri="{AF507438-7753-43E0-B8FC-AC1667EBCBE1}">
+              <a14:hiddenEffects xmlns:a14="http://schemas.microsoft.com/office/drawing/2010/main">
+                <a:effectLst>
+                  <a:outerShdw dist="35921" dir="2700000" algn="ctr" rotWithShape="0">
+                    <a:schemeClr val="bg2"/>
+                  </a:outerShdw>
+                </a:effectLst>
+              </a14:hiddenEffects>
+            </a:ext>
+          </a:extLst>
+        </p:spPr>
+      </p:pic>
+      <p:pic>
+        <p:nvPicPr>
+          <p:cNvPr id="4101" name="Picture 5"/>
+          <p:cNvPicPr>
+            <a:picLocks noChangeAspect="1" noChangeArrowheads="1"/>
+          </p:cNvPicPr>
+          <p:nvPr/>
+        </p:nvPicPr>
+        <p:blipFill>
+          <a:blip r:embed="rId5">
+            <a:extLst>
+              <a:ext uri="{28A0092B-C50C-407E-A947-70E740481C1C}">
+                <a14:useLocalDpi xmlns:a14="http://schemas.microsoft.com/office/drawing/2010/main" val="0"/>
+              </a:ext>
+            </a:extLst>
+          </a:blip>
+          <a:srcRect/>
+          <a:stretch>
+            <a:fillRect/>
+          </a:stretch>
+        </p:blipFill>
+        <p:spPr bwMode="auto">
+          <a:xfrm>
+            <a:off x="3900054" y="4343400"/>
+            <a:ext cx="3171825" cy="962025"/>
+          </a:xfrm>
+          <a:prstGeom prst="rect">
+            <a:avLst/>
+          </a:prstGeom>
+          <a:noFill/>
+          <a:ln>
+            <a:noFill/>
+          </a:ln>
+          <a:effectLst/>
+          <a:extLst>
+            <a:ext uri="{909E8E84-426E-40DD-AFC4-6F175D3DCCD1}">
+              <a14:hiddenFill xmlns:a14="http://schemas.microsoft.com/office/drawing/2010/main">
+                <a:solidFill>
+                  <a:schemeClr val="accent1"/>
+                </a:solidFill>
+              </a14:hiddenFill>
+            </a:ext>
+            <a:ext uri="{91240B29-F687-4F45-9708-019B960494DF}">
+              <a14:hiddenLine xmlns:a14="http://schemas.microsoft.com/office/drawing/2010/main" w="9525">
+                <a:solidFill>
+                  <a:schemeClr val="tx1"/>
+                </a:solidFill>
+                <a:miter lim="800000"/>
+                <a:headEnd/>
+                <a:tailEnd/>
+              </a14:hiddenLine>
+            </a:ext>
+            <a:ext uri="{AF507438-7753-43E0-B8FC-AC1667EBCBE1}">
+              <a14:hiddenEffects xmlns:a14="http://schemas.microsoft.com/office/drawing/2010/main">
+                <a:effectLst>
+                  <a:outerShdw dist="35921" dir="2700000" algn="ctr" rotWithShape="0">
+                    <a:schemeClr val="bg2"/>
+                  </a:outerShdw>
+                </a:effectLst>
+              </a14:hiddenEffects>
+            </a:ext>
+          </a:extLst>
+        </p:spPr>
+      </p:pic>
+    </p:spTree>
+    <p:extLst>
+      <p:ext uri="{BB962C8B-B14F-4D97-AF65-F5344CB8AC3E}">
+        <p14:creationId xmlns:p14="http://schemas.microsoft.com/office/powerpoint/2010/main" val="3853436150"/>
+      </p:ext>
+    </p:extLst>
+  </p:cSld>
+  <p:clrMapOvr>
+    <a:masterClrMapping/>
+  </p:clrMapOvr>
+  <p:timing>
+    <p:tnLst>
+      <p:par>
+        <p:cTn id="1" dur="indefinite" restart="never" nodeType="tmRoot"/>
+      </p:par>
+    </p:tnLst>
+  </p:timing>
+</p:sld>
+</file>
+
+<file path=ppt/slides/slide7.xml><?xml version="1.0" encoding="utf-8"?>
+<p:sld xmlns:a="http://schemas.openxmlformats.org/drawingml/2006/main" xmlns:r="http://schemas.openxmlformats.org/officeDocument/2006/relationships" xmlns:p="http://schemas.openxmlformats.org/presentationml/2006/main">
+  <p:cSld>
+    <p:spTree>
+      <p:nvGrpSpPr>
+        <p:cNvPr id="1" name=""/>
+        <p:cNvGrpSpPr/>
+        <p:nvPr/>
+      </p:nvGrpSpPr>
+      <p:grpSpPr>
+        <a:xfrm>
+          <a:off x="0" y="0"/>
+          <a:ext cx="0" cy="0"/>
+          <a:chOff x="0" y="0"/>
+          <a:chExt cx="0" cy="0"/>
+        </a:xfrm>
+      </p:grpSpPr>
+      <p:pic>
+        <p:nvPicPr>
+          <p:cNvPr id="1026" name="Picture 2"/>
+          <p:cNvPicPr>
+            <a:picLocks noChangeAspect="1" noChangeArrowheads="1"/>
+          </p:cNvPicPr>
+          <p:nvPr/>
+        </p:nvPicPr>
+        <p:blipFill>
+          <a:blip r:embed="rId2">
+            <a:extLst>
+              <a:ext uri="{28A0092B-C50C-407E-A947-70E740481C1C}">
+                <a14:useLocalDpi xmlns:a14="http://schemas.microsoft.com/office/drawing/2010/main" val="0"/>
+              </a:ext>
+            </a:extLst>
+          </a:blip>
+          <a:srcRect/>
+          <a:stretch>
+            <a:fillRect/>
+          </a:stretch>
+        </p:blipFill>
+        <p:spPr bwMode="auto">
+          <a:xfrm>
+            <a:off x="845222" y="3259075"/>
+            <a:ext cx="2295525" cy="1304925"/>
+          </a:xfrm>
+          <a:prstGeom prst="rect">
+            <a:avLst/>
+          </a:prstGeom>
+          <a:noFill/>
+          <a:ln>
+            <a:noFill/>
+          </a:ln>
+          <a:effectLst/>
+          <a:extLst>
+            <a:ext uri="{909E8E84-426E-40DD-AFC4-6F175D3DCCD1}">
+              <a14:hiddenFill xmlns:a14="http://schemas.microsoft.com/office/drawing/2010/main">
+                <a:solidFill>
+                  <a:schemeClr val="accent1"/>
+                </a:solidFill>
+              </a14:hiddenFill>
+            </a:ext>
+            <a:ext uri="{91240B29-F687-4F45-9708-019B960494DF}">
+              <a14:hiddenLine xmlns:a14="http://schemas.microsoft.com/office/drawing/2010/main" w="9525">
+                <a:solidFill>
+                  <a:schemeClr val="tx1"/>
+                </a:solidFill>
+                <a:miter lim="800000"/>
+                <a:headEnd/>
+                <a:tailEnd/>
+              </a14:hiddenLine>
+            </a:ext>
+            <a:ext uri="{AF507438-7753-43E0-B8FC-AC1667EBCBE1}">
+              <a14:hiddenEffects xmlns:a14="http://schemas.microsoft.com/office/drawing/2010/main">
+                <a:effectLst>
+                  <a:outerShdw dist="35921" dir="2700000" algn="ctr" rotWithShape="0">
+                    <a:schemeClr val="bg2"/>
+                  </a:outerShdw>
+                </a:effectLst>
+              </a14:hiddenEffects>
+            </a:ext>
+          </a:extLst>
+        </p:spPr>
+      </p:pic>
+      <p:sp>
+        <p:nvSpPr>
+          <p:cNvPr id="5" name="TextBox 4"/>
+          <p:cNvSpPr txBox="1"/>
+          <p:nvPr/>
+        </p:nvSpPr>
+        <p:spPr>
+          <a:xfrm>
+            <a:off x="2970934" y="228600"/>
+            <a:ext cx="5030066" cy="369332"/>
+          </a:xfrm>
+          <a:prstGeom prst="rect">
+            <a:avLst/>
+          </a:prstGeom>
+          <a:noFill/>
+        </p:spPr>
+        <p:txBody>
+          <a:bodyPr wrap="square" rtlCol="0">
+            <a:spAutoFit/>
+          </a:bodyPr>
+          <a:lstStyle/>
+          <a:p>
+            <a:r>
+              <a:rPr lang="en-US" b="1" dirty="0"/>
+              <a:t>INNER JOIN (simple join</a:t>
+            </a:r>
+            <a:r>
+              <a:rPr lang="en-US" b="1" dirty="0" smtClean="0"/>
+              <a:t>) </a:t>
+            </a:r>
+            <a:r>
+              <a:rPr lang="en-US" dirty="0" smtClean="0"/>
+              <a:t>(Intersection)</a:t>
+            </a:r>
+            <a:endParaRPr lang="en-US" dirty="0"/>
+          </a:p>
+        </p:txBody>
+      </p:sp>
+      <p:pic>
+        <p:nvPicPr>
+          <p:cNvPr id="1027" name="Picture 3"/>
+          <p:cNvPicPr>
+            <a:picLocks noChangeAspect="1" noChangeArrowheads="1"/>
+          </p:cNvPicPr>
+          <p:nvPr/>
+        </p:nvPicPr>
+        <p:blipFill>
+          <a:blip r:embed="rId3">
+            <a:extLst>
+              <a:ext uri="{28A0092B-C50C-407E-A947-70E740481C1C}">
+                <a14:useLocalDpi xmlns:a14="http://schemas.microsoft.com/office/drawing/2010/main" val="0"/>
+              </a:ext>
+            </a:extLst>
+          </a:blip>
+          <a:srcRect/>
+          <a:stretch>
+            <a:fillRect/>
+          </a:stretch>
+        </p:blipFill>
+        <p:spPr bwMode="auto">
+          <a:xfrm>
+            <a:off x="692822" y="4564000"/>
+            <a:ext cx="3257550" cy="1009650"/>
+          </a:xfrm>
+          <a:prstGeom prst="rect">
+            <a:avLst/>
+          </a:prstGeom>
+          <a:noFill/>
+          <a:ln>
+            <a:noFill/>
+          </a:ln>
+          <a:effectLst/>
+          <a:extLst>
+            <a:ext uri="{909E8E84-426E-40DD-AFC4-6F175D3DCCD1}">
+              <a14:hiddenFill xmlns:a14="http://schemas.microsoft.com/office/drawing/2010/main">
+                <a:solidFill>
+                  <a:schemeClr val="accent1"/>
+                </a:solidFill>
+              </a14:hiddenFill>
+            </a:ext>
+            <a:ext uri="{91240B29-F687-4F45-9708-019B960494DF}">
+              <a14:hiddenLine xmlns:a14="http://schemas.microsoft.com/office/drawing/2010/main" w="9525">
+                <a:solidFill>
+                  <a:schemeClr val="tx1"/>
+                </a:solidFill>
+                <a:miter lim="800000"/>
+                <a:headEnd/>
+                <a:tailEnd/>
+              </a14:hiddenLine>
+            </a:ext>
+            <a:ext uri="{AF507438-7753-43E0-B8FC-AC1667EBCBE1}">
+              <a14:hiddenEffects xmlns:a14="http://schemas.microsoft.com/office/drawing/2010/main">
+                <a:effectLst>
+                  <a:outerShdw dist="35921" dir="2700000" algn="ctr" rotWithShape="0">
+                    <a:schemeClr val="bg2"/>
+                  </a:outerShdw>
+                </a:effectLst>
+              </a14:hiddenEffects>
+            </a:ext>
+          </a:extLst>
+        </p:spPr>
+      </p:pic>
+      <p:pic>
+        <p:nvPicPr>
+          <p:cNvPr id="1028" name="Picture 4"/>
+          <p:cNvPicPr>
+            <a:picLocks noChangeAspect="1" noChangeArrowheads="1"/>
+          </p:cNvPicPr>
+          <p:nvPr/>
+        </p:nvPicPr>
+        <p:blipFill>
+          <a:blip r:embed="rId4">
+            <a:extLst>
+              <a:ext uri="{28A0092B-C50C-407E-A947-70E740481C1C}">
+                <a14:useLocalDpi xmlns:a14="http://schemas.microsoft.com/office/drawing/2010/main" val="0"/>
+              </a:ext>
+            </a:extLst>
+          </a:blip>
+          <a:srcRect/>
+          <a:stretch>
+            <a:fillRect/>
+          </a:stretch>
+        </p:blipFill>
+        <p:spPr bwMode="auto">
+          <a:xfrm>
+            <a:off x="685800" y="1066800"/>
+            <a:ext cx="4514850" cy="1514475"/>
+          </a:xfrm>
+          <a:prstGeom prst="rect">
+            <a:avLst/>
+          </a:prstGeom>
+          <a:noFill/>
+          <a:ln>
+            <a:noFill/>
+          </a:ln>
+          <a:effectLst/>
+          <a:extLst>
+            <a:ext uri="{909E8E84-426E-40DD-AFC4-6F175D3DCCD1}">
+              <a14:hiddenFill xmlns:a14="http://schemas.microsoft.com/office/drawing/2010/main">
+                <a:solidFill>
+                  <a:schemeClr val="accent1"/>
+                </a:solidFill>
+              </a14:hiddenFill>
+            </a:ext>
+            <a:ext uri="{91240B29-F687-4F45-9708-019B960494DF}">
+              <a14:hiddenLine xmlns:a14="http://schemas.microsoft.com/office/drawing/2010/main" w="9525">
+                <a:solidFill>
+                  <a:schemeClr val="tx1"/>
+                </a:solidFill>
+                <a:miter lim="800000"/>
+                <a:headEnd/>
+                <a:tailEnd/>
+              </a14:hiddenLine>
+            </a:ext>
+            <a:ext uri="{AF507438-7753-43E0-B8FC-AC1667EBCBE1}">
+              <a14:hiddenEffects xmlns:a14="http://schemas.microsoft.com/office/drawing/2010/main">
+                <a:effectLst>
+                  <a:outerShdw dist="35921" dir="2700000" algn="ctr" rotWithShape="0">
+                    <a:schemeClr val="bg2"/>
+                  </a:outerShdw>
+                </a:effectLst>
+              </a14:hiddenEffects>
+            </a:ext>
+          </a:extLst>
+        </p:spPr>
+      </p:pic>
+      <p:pic>
+        <p:nvPicPr>
+          <p:cNvPr id="1029" name="Picture 5"/>
+          <p:cNvPicPr>
+            <a:picLocks noChangeAspect="1" noChangeArrowheads="1"/>
+          </p:cNvPicPr>
+          <p:nvPr/>
+        </p:nvPicPr>
+        <p:blipFill>
+          <a:blip r:embed="rId5">
+            <a:extLst>
+              <a:ext uri="{28A0092B-C50C-407E-A947-70E740481C1C}">
+                <a14:useLocalDpi xmlns:a14="http://schemas.microsoft.com/office/drawing/2010/main" val="0"/>
+              </a:ext>
+            </a:extLst>
+          </a:blip>
+          <a:srcRect/>
+          <a:stretch>
+            <a:fillRect/>
+          </a:stretch>
+        </p:blipFill>
+        <p:spPr bwMode="auto">
+          <a:xfrm>
+            <a:off x="5867400" y="1385887"/>
+            <a:ext cx="2743200" cy="876300"/>
+          </a:xfrm>
+          <a:prstGeom prst="rect">
+            <a:avLst/>
+          </a:prstGeom>
+          <a:noFill/>
+          <a:ln>
+            <a:noFill/>
+          </a:ln>
+          <a:effectLst/>
+          <a:extLst>
+            <a:ext uri="{909E8E84-426E-40DD-AFC4-6F175D3DCCD1}">
+              <a14:hiddenFill xmlns:a14="http://schemas.microsoft.com/office/drawing/2010/main">
+                <a:solidFill>
+                  <a:schemeClr val="accent1"/>
+                </a:solidFill>
+              </a14:hiddenFill>
+            </a:ext>
+            <a:ext uri="{91240B29-F687-4F45-9708-019B960494DF}">
+              <a14:hiddenLine xmlns:a14="http://schemas.microsoft.com/office/drawing/2010/main" w="9525">
+                <a:solidFill>
+                  <a:schemeClr val="tx1"/>
+                </a:solidFill>
+                <a:miter lim="800000"/>
+                <a:headEnd/>
+                <a:tailEnd/>
+              </a14:hiddenLine>
+            </a:ext>
+            <a:ext uri="{AF507438-7753-43E0-B8FC-AC1667EBCBE1}">
+              <a14:hiddenEffects xmlns:a14="http://schemas.microsoft.com/office/drawing/2010/main">
+                <a:effectLst>
+                  <a:outerShdw dist="35921" dir="2700000" algn="ctr" rotWithShape="0">
+                    <a:schemeClr val="bg2"/>
+                  </a:outerShdw>
+                </a:effectLst>
+              </a14:hiddenEffects>
+            </a:ext>
+          </a:extLst>
+        </p:spPr>
+      </p:pic>
+      <p:pic>
+        <p:nvPicPr>
+          <p:cNvPr id="1030" name="Picture 6"/>
+          <p:cNvPicPr>
+            <a:picLocks noChangeAspect="1" noChangeArrowheads="1"/>
+          </p:cNvPicPr>
+          <p:nvPr/>
+        </p:nvPicPr>
+        <p:blipFill>
+          <a:blip r:embed="rId6">
+            <a:extLst>
+              <a:ext uri="{28A0092B-C50C-407E-A947-70E740481C1C}">
+                <a14:useLocalDpi xmlns:a14="http://schemas.microsoft.com/office/drawing/2010/main" val="0"/>
+              </a:ext>
+            </a:extLst>
+          </a:blip>
+          <a:srcRect/>
+          <a:stretch>
+            <a:fillRect/>
+          </a:stretch>
+        </p:blipFill>
+        <p:spPr bwMode="auto">
+          <a:xfrm>
+            <a:off x="5825836" y="3957638"/>
+            <a:ext cx="1971675" cy="771525"/>
+          </a:xfrm>
+          <a:prstGeom prst="rect">
+            <a:avLst/>
+          </a:prstGeom>
+          <a:noFill/>
+          <a:ln>
+            <a:noFill/>
+          </a:ln>
+          <a:effectLst/>
+          <a:extLst>
+            <a:ext uri="{909E8E84-426E-40DD-AFC4-6F175D3DCCD1}">
+              <a14:hiddenFill xmlns:a14="http://schemas.microsoft.com/office/drawing/2010/main">
+                <a:solidFill>
+                  <a:schemeClr val="accent1"/>
+                </a:solidFill>
+              </a14:hiddenFill>
+            </a:ext>
+            <a:ext uri="{91240B29-F687-4F45-9708-019B960494DF}">
+              <a14:hiddenLine xmlns:a14="http://schemas.microsoft.com/office/drawing/2010/main" w="9525">
+                <a:solidFill>
+                  <a:schemeClr val="tx1"/>
+                </a:solidFill>
+                <a:miter lim="800000"/>
+                <a:headEnd/>
+                <a:tailEnd/>
+              </a14:hiddenLine>
+            </a:ext>
+            <a:ext uri="{AF507438-7753-43E0-B8FC-AC1667EBCBE1}">
+              <a14:hiddenEffects xmlns:a14="http://schemas.microsoft.com/office/drawing/2010/main">
+                <a:effectLst>
+                  <a:outerShdw dist="35921" dir="2700000" algn="ctr" rotWithShape="0">
+                    <a:schemeClr val="bg2"/>
+                  </a:outerShdw>
+                </a:effectLst>
+              </a14:hiddenEffects>
+            </a:ext>
+          </a:extLst>
+        </p:spPr>
+      </p:pic>
+      <p:sp>
+        <p:nvSpPr>
+          <p:cNvPr id="2" name="TextBox 1"/>
+          <p:cNvSpPr txBox="1"/>
+          <p:nvPr/>
+        </p:nvSpPr>
+        <p:spPr>
+          <a:xfrm>
+            <a:off x="5207577" y="5068825"/>
+            <a:ext cx="2963440" cy="369332"/>
+          </a:xfrm>
+          <a:prstGeom prst="rect">
+            <a:avLst/>
+          </a:prstGeom>
+          <a:noFill/>
+        </p:spPr>
+        <p:txBody>
+          <a:bodyPr wrap="none" rtlCol="0">
+            <a:spAutoFit/>
+          </a:bodyPr>
+          <a:lstStyle/>
+          <a:p>
+            <a:r>
+              <a:rPr lang="en-US" dirty="0" smtClean="0">
+                <a:solidFill>
+                  <a:srgbClr val="FF0000"/>
+                </a:solidFill>
+              </a:rPr>
+              <a:t>Records matching both tables</a:t>
+            </a:r>
+            <a:endParaRPr lang="en-US" dirty="0">
+              <a:solidFill>
+                <a:srgbClr val="FF0000"/>
+              </a:solidFill>
+            </a:endParaRPr>
+          </a:p>
+        </p:txBody>
+      </p:sp>
+    </p:spTree>
+    <p:extLst>
+      <p:ext uri="{BB962C8B-B14F-4D97-AF65-F5344CB8AC3E}">
+        <p14:creationId xmlns:p14="http://schemas.microsoft.com/office/powerpoint/2010/main" val="3288154942"/>
+      </p:ext>
+    </p:extLst>
+  </p:cSld>
+  <p:clrMapOvr>
+    <a:masterClrMapping/>
+  </p:clrMapOvr>
+  <p:timing>
+    <p:tnLst>
+      <p:par>
+        <p:cTn id="1" dur="indefinite" restart="never" nodeType="tmRoot"/>
+      </p:par>
+    </p:tnLst>
+  </p:timing>
+</p:sld>
+</file>
+
+<file path=ppt/slides/slide8.xml><?xml version="1.0" encoding="utf-8"?>
+<p:sld xmlns:a="http://schemas.openxmlformats.org/drawingml/2006/main" xmlns:r="http://schemas.openxmlformats.org/officeDocument/2006/relationships" xmlns:p="http://schemas.openxmlformats.org/presentationml/2006/main">
+  <p:cSld>
+    <p:spTree>
+      <p:nvGrpSpPr>
+        <p:cNvPr id="1" name=""/>
+        <p:cNvGrpSpPr/>
+        <p:nvPr/>
+      </p:nvGrpSpPr>
+      <p:grpSpPr>
+        <a:xfrm>
+          <a:off x="0" y="0"/>
+          <a:ext cx="0" cy="0"/>
+          <a:chOff x="0" y="0"/>
+          <a:chExt cx="0" cy="0"/>
+        </a:xfrm>
+      </p:grpSpPr>
+      <p:sp>
+        <p:nvSpPr>
+          <p:cNvPr id="5" name="TextBox 4"/>
+          <p:cNvSpPr txBox="1"/>
+          <p:nvPr/>
+        </p:nvSpPr>
+        <p:spPr>
+          <a:xfrm>
+            <a:off x="2970934" y="228600"/>
+            <a:ext cx="1827744" cy="369332"/>
+          </a:xfrm>
+          <a:prstGeom prst="rect">
+            <a:avLst/>
+          </a:prstGeom>
+          <a:noFill/>
+        </p:spPr>
+        <p:txBody>
+          <a:bodyPr wrap="none" rtlCol="0">
+            <a:spAutoFit/>
+          </a:bodyPr>
+          <a:lstStyle/>
+          <a:p>
+            <a:r>
+              <a:rPr lang="en-US" b="1" dirty="0"/>
+              <a:t>LEFT OUTER </a:t>
+            </a:r>
+            <a:r>
+              <a:rPr lang="en-US" b="1" dirty="0" smtClean="0"/>
+              <a:t>JOIN</a:t>
+            </a:r>
+            <a:endParaRPr lang="en-US" b="1" dirty="0"/>
+          </a:p>
+        </p:txBody>
+      </p:sp>
+      <p:pic>
+        <p:nvPicPr>
+          <p:cNvPr id="1028" name="Picture 4"/>
+          <p:cNvPicPr>
+            <a:picLocks noChangeAspect="1" noChangeArrowheads="1"/>
+          </p:cNvPicPr>
+          <p:nvPr/>
+        </p:nvPicPr>
+        <p:blipFill>
+          <a:blip r:embed="rId2">
+            <a:extLst>
+              <a:ext uri="{28A0092B-C50C-407E-A947-70E740481C1C}">
+                <a14:useLocalDpi xmlns:a14="http://schemas.microsoft.com/office/drawing/2010/main" val="0"/>
+              </a:ext>
+            </a:extLst>
+          </a:blip>
+          <a:srcRect/>
+          <a:stretch>
+            <a:fillRect/>
+          </a:stretch>
+        </p:blipFill>
+        <p:spPr bwMode="auto">
+          <a:xfrm>
+            <a:off x="685800" y="1066800"/>
+            <a:ext cx="4514850" cy="1514475"/>
+          </a:xfrm>
+          <a:prstGeom prst="rect">
+            <a:avLst/>
+          </a:prstGeom>
+          <a:noFill/>
+          <a:ln>
+            <a:noFill/>
+          </a:ln>
+          <a:effectLst/>
+          <a:extLst>
+            <a:ext uri="{909E8E84-426E-40DD-AFC4-6F175D3DCCD1}">
+              <a14:hiddenFill xmlns:a14="http://schemas.microsoft.com/office/drawing/2010/main">
+                <a:solidFill>
+                  <a:schemeClr val="accent1"/>
+                </a:solidFill>
+              </a14:hiddenFill>
+            </a:ext>
+            <a:ext uri="{91240B29-F687-4F45-9708-019B960494DF}">
+              <a14:hiddenLine xmlns:a14="http://schemas.microsoft.com/office/drawing/2010/main" w="9525">
+                <a:solidFill>
+                  <a:schemeClr val="tx1"/>
+                </a:solidFill>
+                <a:miter lim="800000"/>
+                <a:headEnd/>
+                <a:tailEnd/>
+              </a14:hiddenLine>
+            </a:ext>
+            <a:ext uri="{AF507438-7753-43E0-B8FC-AC1667EBCBE1}">
+              <a14:hiddenEffects xmlns:a14="http://schemas.microsoft.com/office/drawing/2010/main">
+                <a:effectLst>
+                  <a:outerShdw dist="35921" dir="2700000" algn="ctr" rotWithShape="0">
+                    <a:schemeClr val="bg2"/>
+                  </a:outerShdw>
+                </a:effectLst>
+              </a14:hiddenEffects>
+            </a:ext>
+          </a:extLst>
+        </p:spPr>
+      </p:pic>
+      <p:pic>
+        <p:nvPicPr>
+          <p:cNvPr id="1029" name="Picture 5"/>
+          <p:cNvPicPr>
+            <a:picLocks noChangeAspect="1" noChangeArrowheads="1"/>
+          </p:cNvPicPr>
+          <p:nvPr/>
+        </p:nvPicPr>
+        <p:blipFill>
+          <a:blip r:embed="rId3">
+            <a:extLst>
+              <a:ext uri="{28A0092B-C50C-407E-A947-70E740481C1C}">
+                <a14:useLocalDpi xmlns:a14="http://schemas.microsoft.com/office/drawing/2010/main" val="0"/>
+              </a:ext>
+            </a:extLst>
+          </a:blip>
+          <a:srcRect/>
+          <a:stretch>
+            <a:fillRect/>
+          </a:stretch>
+        </p:blipFill>
+        <p:spPr bwMode="auto">
+          <a:xfrm>
+            <a:off x="5867400" y="1385887"/>
+            <a:ext cx="2743200" cy="876300"/>
+          </a:xfrm>
+          <a:prstGeom prst="rect">
+            <a:avLst/>
+          </a:prstGeom>
+          <a:noFill/>
+          <a:ln>
+            <a:noFill/>
+          </a:ln>
+          <a:effectLst/>
+          <a:extLst>
+            <a:ext uri="{909E8E84-426E-40DD-AFC4-6F175D3DCCD1}">
+              <a14:hiddenFill xmlns:a14="http://schemas.microsoft.com/office/drawing/2010/main">
+                <a:solidFill>
+                  <a:schemeClr val="accent1"/>
+                </a:solidFill>
+              </a14:hiddenFill>
+            </a:ext>
+            <a:ext uri="{91240B29-F687-4F45-9708-019B960494DF}">
+              <a14:hiddenLine xmlns:a14="http://schemas.microsoft.com/office/drawing/2010/main" w="9525">
+                <a:solidFill>
+                  <a:schemeClr val="tx1"/>
+                </a:solidFill>
+                <a:miter lim="800000"/>
+                <a:headEnd/>
+                <a:tailEnd/>
+              </a14:hiddenLine>
+            </a:ext>
+            <a:ext uri="{AF507438-7753-43E0-B8FC-AC1667EBCBE1}">
+              <a14:hiddenEffects xmlns:a14="http://schemas.microsoft.com/office/drawing/2010/main">
+                <a:effectLst>
+                  <a:outerShdw dist="35921" dir="2700000" algn="ctr" rotWithShape="0">
+                    <a:schemeClr val="bg2"/>
+                  </a:outerShdw>
+                </a:effectLst>
+              </a14:hiddenEffects>
+            </a:ext>
+          </a:extLst>
+        </p:spPr>
+      </p:pic>
+      <p:pic>
+        <p:nvPicPr>
+          <p:cNvPr id="1031" name="Picture 7"/>
+          <p:cNvPicPr>
+            <a:picLocks noChangeAspect="1" noChangeArrowheads="1"/>
+          </p:cNvPicPr>
+          <p:nvPr/>
+        </p:nvPicPr>
+        <p:blipFill>
+          <a:blip r:embed="rId4">
+            <a:extLst>
+              <a:ext uri="{28A0092B-C50C-407E-A947-70E740481C1C}">
+                <a14:useLocalDpi xmlns:a14="http://schemas.microsoft.com/office/drawing/2010/main" val="0"/>
+              </a:ext>
+            </a:extLst>
+          </a:blip>
+          <a:srcRect/>
+          <a:stretch>
+            <a:fillRect/>
+          </a:stretch>
+        </p:blipFill>
+        <p:spPr bwMode="auto">
+          <a:xfrm>
+            <a:off x="692822" y="2895600"/>
+            <a:ext cx="2333625" cy="1362075"/>
+          </a:xfrm>
+          <a:prstGeom prst="rect">
+            <a:avLst/>
+          </a:prstGeom>
+          <a:noFill/>
+          <a:ln>
+            <a:noFill/>
+          </a:ln>
+          <a:effectLst/>
+          <a:extLst>
+            <a:ext uri="{909E8E84-426E-40DD-AFC4-6F175D3DCCD1}">
+              <a14:hiddenFill xmlns:a14="http://schemas.microsoft.com/office/drawing/2010/main">
+                <a:solidFill>
+                  <a:schemeClr val="accent1"/>
+                </a:solidFill>
+              </a14:hiddenFill>
+            </a:ext>
+            <a:ext uri="{91240B29-F687-4F45-9708-019B960494DF}">
+              <a14:hiddenLine xmlns:a14="http://schemas.microsoft.com/office/drawing/2010/main" w="9525">
+                <a:solidFill>
+                  <a:schemeClr val="tx1"/>
+                </a:solidFill>
+                <a:miter lim="800000"/>
+                <a:headEnd/>
+                <a:tailEnd/>
+              </a14:hiddenLine>
+            </a:ext>
+            <a:ext uri="{AF507438-7753-43E0-B8FC-AC1667EBCBE1}">
+              <a14:hiddenEffects xmlns:a14="http://schemas.microsoft.com/office/drawing/2010/main">
+                <a:effectLst>
+                  <a:outerShdw dist="35921" dir="2700000" algn="ctr" rotWithShape="0">
+                    <a:schemeClr val="bg2"/>
+                  </a:outerShdw>
+                </a:effectLst>
+              </a14:hiddenEffects>
+            </a:ext>
+          </a:extLst>
+        </p:spPr>
+      </p:pic>
+      <p:pic>
+        <p:nvPicPr>
+          <p:cNvPr id="1034" name="Picture 10"/>
+          <p:cNvPicPr>
+            <a:picLocks noChangeAspect="1" noChangeArrowheads="1"/>
+          </p:cNvPicPr>
+          <p:nvPr/>
+        </p:nvPicPr>
+        <p:blipFill>
+          <a:blip r:embed="rId5">
+            <a:extLst>
+              <a:ext uri="{28A0092B-C50C-407E-A947-70E740481C1C}">
+                <a14:useLocalDpi xmlns:a14="http://schemas.microsoft.com/office/drawing/2010/main" val="0"/>
+              </a:ext>
+            </a:extLst>
+          </a:blip>
+          <a:srcRect/>
+          <a:stretch>
+            <a:fillRect/>
+          </a:stretch>
+        </p:blipFill>
+        <p:spPr bwMode="auto">
+          <a:xfrm>
+            <a:off x="617731" y="4572000"/>
+            <a:ext cx="3267075" cy="781050"/>
+          </a:xfrm>
+          <a:prstGeom prst="rect">
+            <a:avLst/>
+          </a:prstGeom>
+          <a:noFill/>
+          <a:ln>
+            <a:noFill/>
+          </a:ln>
+          <a:effectLst/>
+          <a:extLst>
+            <a:ext uri="{909E8E84-426E-40DD-AFC4-6F175D3DCCD1}">
+              <a14:hiddenFill xmlns:a14="http://schemas.microsoft.com/office/drawing/2010/main">
+                <a:solidFill>
+                  <a:schemeClr val="accent1"/>
+                </a:solidFill>
+              </a14:hiddenFill>
+            </a:ext>
+            <a:ext uri="{91240B29-F687-4F45-9708-019B960494DF}">
+              <a14:hiddenLine xmlns:a14="http://schemas.microsoft.com/office/drawing/2010/main" w="9525">
+                <a:solidFill>
+                  <a:schemeClr val="tx1"/>
+                </a:solidFill>
+                <a:miter lim="800000"/>
+                <a:headEnd/>
+                <a:tailEnd/>
+              </a14:hiddenLine>
+            </a:ext>
+            <a:ext uri="{AF507438-7753-43E0-B8FC-AC1667EBCBE1}">
+              <a14:hiddenEffects xmlns:a14="http://schemas.microsoft.com/office/drawing/2010/main">
+                <a:effectLst>
+                  <a:outerShdw dist="35921" dir="2700000" algn="ctr" rotWithShape="0">
+                    <a:schemeClr val="bg2"/>
+                  </a:outerShdw>
+                </a:effectLst>
+              </a14:hiddenEffects>
+            </a:ext>
+          </a:extLst>
+        </p:spPr>
+      </p:pic>
+      <p:pic>
+        <p:nvPicPr>
+          <p:cNvPr id="1035" name="Picture 11"/>
+          <p:cNvPicPr>
+            <a:picLocks noChangeAspect="1" noChangeArrowheads="1"/>
+          </p:cNvPicPr>
+          <p:nvPr/>
+        </p:nvPicPr>
+        <p:blipFill>
+          <a:blip r:embed="rId6">
+            <a:extLst>
+              <a:ext uri="{28A0092B-C50C-407E-A947-70E740481C1C}">
+                <a14:useLocalDpi xmlns:a14="http://schemas.microsoft.com/office/drawing/2010/main" val="0"/>
+              </a:ext>
+            </a:extLst>
+          </a:blip>
+          <a:srcRect/>
+          <a:stretch>
+            <a:fillRect/>
+          </a:stretch>
+        </p:blipFill>
+        <p:spPr bwMode="auto">
+          <a:xfrm>
+            <a:off x="5105400" y="3276600"/>
+            <a:ext cx="2038350" cy="1543050"/>
+          </a:xfrm>
+          <a:prstGeom prst="rect">
+            <a:avLst/>
+          </a:prstGeom>
+          <a:noFill/>
+          <a:ln>
+            <a:noFill/>
+          </a:ln>
+          <a:effectLst/>
+          <a:extLst>
+            <a:ext uri="{909E8E84-426E-40DD-AFC4-6F175D3DCCD1}">
+              <a14:hiddenFill xmlns:a14="http://schemas.microsoft.com/office/drawing/2010/main">
+                <a:solidFill>
+                  <a:schemeClr val="accent1"/>
+                </a:solidFill>
+              </a14:hiddenFill>
+            </a:ext>
+            <a:ext uri="{91240B29-F687-4F45-9708-019B960494DF}">
+              <a14:hiddenLine xmlns:a14="http://schemas.microsoft.com/office/drawing/2010/main" w="9525">
+                <a:solidFill>
+                  <a:schemeClr val="tx1"/>
+                </a:solidFill>
+                <a:miter lim="800000"/>
+                <a:headEnd/>
+                <a:tailEnd/>
+              </a14:hiddenLine>
+            </a:ext>
+            <a:ext uri="{AF507438-7753-43E0-B8FC-AC1667EBCBE1}">
+              <a14:hiddenEffects xmlns:a14="http://schemas.microsoft.com/office/drawing/2010/main">
+                <a:effectLst>
+                  <a:outerShdw dist="35921" dir="2700000" algn="ctr" rotWithShape="0">
+                    <a:schemeClr val="bg2"/>
+                  </a:outerShdw>
+                </a:effectLst>
+              </a14:hiddenEffects>
+            </a:ext>
+          </a:extLst>
+        </p:spPr>
+      </p:pic>
+      <p:sp>
+        <p:nvSpPr>
+          <p:cNvPr id="7" name="TextBox 6"/>
+          <p:cNvSpPr txBox="1"/>
+          <p:nvPr/>
+        </p:nvSpPr>
+        <p:spPr>
+          <a:xfrm>
+            <a:off x="4798678" y="4962525"/>
+            <a:ext cx="3768019" cy="646331"/>
+          </a:xfrm>
+          <a:prstGeom prst="rect">
+            <a:avLst/>
+          </a:prstGeom>
+          <a:noFill/>
+        </p:spPr>
+        <p:txBody>
+          <a:bodyPr wrap="none" rtlCol="0">
+            <a:spAutoFit/>
+          </a:bodyPr>
+          <a:lstStyle/>
+          <a:p>
+            <a:r>
+              <a:rPr lang="en-US" dirty="0" smtClean="0">
+                <a:solidFill>
+                  <a:srgbClr val="FF0000"/>
+                </a:solidFill>
+              </a:rPr>
+              <a:t>All employee records and only records</a:t>
+            </a:r>
+          </a:p>
+          <a:p>
+            <a:r>
+              <a:rPr lang="en-US" dirty="0" smtClean="0">
+                <a:solidFill>
+                  <a:srgbClr val="FF0000"/>
+                </a:solidFill>
+              </a:rPr>
+              <a:t>From branch with matching criteria</a:t>
+            </a:r>
+            <a:endParaRPr lang="en-US" dirty="0">
+              <a:solidFill>
+                <a:srgbClr val="FF0000"/>
+              </a:solidFill>
+            </a:endParaRPr>
+          </a:p>
+        </p:txBody>
+      </p:sp>
+    </p:spTree>
+    <p:extLst>
+      <p:ext uri="{BB962C8B-B14F-4D97-AF65-F5344CB8AC3E}">
+        <p14:creationId xmlns:p14="http://schemas.microsoft.com/office/powerpoint/2010/main" val="3043494862"/>
+      </p:ext>
+    </p:extLst>
+  </p:cSld>
+  <p:clrMapOvr>
+    <a:masterClrMapping/>
+  </p:clrMapOvr>
+  <p:timing>
+    <p:tnLst>
+      <p:par>
+        <p:cTn id="1" dur="indefinite" restart="never" nodeType="tmRoot"/>
+      </p:par>
+    </p:tnLst>
+  </p:timing>
+</p:sld>
+</file>
+
+<file path=ppt/slides/slide9.xml><?xml version="1.0" encoding="utf-8"?>
+<p:sld xmlns:a="http://schemas.openxmlformats.org/drawingml/2006/main" xmlns:r="http://schemas.openxmlformats.org/officeDocument/2006/relationships" xmlns:p="http://schemas.openxmlformats.org/presentationml/2006/main">
+  <p:cSld>
+    <p:spTree>
+      <p:nvGrpSpPr>
+        <p:cNvPr id="1" name=""/>
+        <p:cNvGrpSpPr/>
+        <p:nvPr/>
+      </p:nvGrpSpPr>
+      <p:grpSpPr>
+        <a:xfrm>
+          <a:off x="0" y="0"/>
+          <a:ext cx="0" cy="0"/>
+          <a:chOff x="0" y="0"/>
+          <a:chExt cx="0" cy="0"/>
+        </a:xfrm>
+      </p:grpSpPr>
+      <p:sp>
+        <p:nvSpPr>
+          <p:cNvPr id="5" name="TextBox 4"/>
+          <p:cNvSpPr txBox="1"/>
+          <p:nvPr/>
+        </p:nvSpPr>
+        <p:spPr>
+          <a:xfrm>
+            <a:off x="2970934" y="228600"/>
+            <a:ext cx="1996059" cy="369332"/>
+          </a:xfrm>
+          <a:prstGeom prst="rect">
+            <a:avLst/>
+          </a:prstGeom>
+          <a:noFill/>
+        </p:spPr>
+        <p:txBody>
+          <a:bodyPr wrap="none" rtlCol="0">
+            <a:spAutoFit/>
+          </a:bodyPr>
+          <a:lstStyle/>
+          <a:p>
+            <a:r>
+              <a:rPr lang="en-US" b="1" dirty="0"/>
+              <a:t>RIGHT OUTER JOIN</a:t>
+            </a:r>
+          </a:p>
+        </p:txBody>
+      </p:sp>
+      <p:pic>
+        <p:nvPicPr>
+          <p:cNvPr id="1028" name="Picture 4"/>
+          <p:cNvPicPr>
+            <a:picLocks noChangeAspect="1" noChangeArrowheads="1"/>
+          </p:cNvPicPr>
+          <p:nvPr/>
+        </p:nvPicPr>
+        <p:blipFill>
+          <a:blip r:embed="rId2">
+            <a:extLst>
+              <a:ext uri="{28A0092B-C50C-407E-A947-70E740481C1C}">
+                <a14:useLocalDpi xmlns:a14="http://schemas.microsoft.com/office/drawing/2010/main" val="0"/>
+              </a:ext>
+            </a:extLst>
+          </a:blip>
+          <a:srcRect/>
+          <a:stretch>
+            <a:fillRect/>
+          </a:stretch>
+        </p:blipFill>
+        <p:spPr bwMode="auto">
+          <a:xfrm>
+            <a:off x="685800" y="1066800"/>
+            <a:ext cx="4514850" cy="1514475"/>
+          </a:xfrm>
+          <a:prstGeom prst="rect">
+            <a:avLst/>
+          </a:prstGeom>
+          <a:noFill/>
+          <a:ln>
+            <a:noFill/>
+          </a:ln>
+          <a:effectLst/>
+          <a:extLst>
+            <a:ext uri="{909E8E84-426E-40DD-AFC4-6F175D3DCCD1}">
+              <a14:hiddenFill xmlns:a14="http://schemas.microsoft.com/office/drawing/2010/main">
+                <a:solidFill>
+                  <a:schemeClr val="accent1"/>
+                </a:solidFill>
+              </a14:hiddenFill>
+            </a:ext>
+            <a:ext uri="{91240B29-F687-4F45-9708-019B960494DF}">
+              <a14:hiddenLine xmlns:a14="http://schemas.microsoft.com/office/drawing/2010/main" w="9525">
+                <a:solidFill>
+                  <a:schemeClr val="tx1"/>
+                </a:solidFill>
+                <a:miter lim="800000"/>
+                <a:headEnd/>
+                <a:tailEnd/>
+              </a14:hiddenLine>
+            </a:ext>
+            <a:ext uri="{AF507438-7753-43E0-B8FC-AC1667EBCBE1}">
+              <a14:hiddenEffects xmlns:a14="http://schemas.microsoft.com/office/drawing/2010/main">
+                <a:effectLst>
+                  <a:outerShdw dist="35921" dir="2700000" algn="ctr" rotWithShape="0">
+                    <a:schemeClr val="bg2"/>
+                  </a:outerShdw>
+                </a:effectLst>
+              </a14:hiddenEffects>
+            </a:ext>
+          </a:extLst>
+        </p:spPr>
+      </p:pic>
+      <p:pic>
+        <p:nvPicPr>
+          <p:cNvPr id="1029" name="Picture 5"/>
+          <p:cNvPicPr>
+            <a:picLocks noChangeAspect="1" noChangeArrowheads="1"/>
+          </p:cNvPicPr>
+          <p:nvPr/>
+        </p:nvPicPr>
+        <p:blipFill>
+          <a:blip r:embed="rId3">
+            <a:extLst>
+              <a:ext uri="{28A0092B-C50C-407E-A947-70E740481C1C}">
+                <a14:useLocalDpi xmlns:a14="http://schemas.microsoft.com/office/drawing/2010/main" val="0"/>
+              </a:ext>
+            </a:extLst>
+          </a:blip>
+          <a:srcRect/>
+          <a:stretch>
+            <a:fillRect/>
+          </a:stretch>
+        </p:blipFill>
+        <p:spPr bwMode="auto">
+          <a:xfrm>
+            <a:off x="5867400" y="1385887"/>
+            <a:ext cx="2743200" cy="876300"/>
+          </a:xfrm>
+          <a:prstGeom prst="rect">
+            <a:avLst/>
+          </a:prstGeom>
+          <a:noFill/>
+          <a:ln>
+            <a:noFill/>
+          </a:ln>
+          <a:effectLst/>
+          <a:extLst>
+            <a:ext uri="{909E8E84-426E-40DD-AFC4-6F175D3DCCD1}">
+              <a14:hiddenFill xmlns:a14="http://schemas.microsoft.com/office/drawing/2010/main">
+                <a:solidFill>
+                  <a:schemeClr val="accent1"/>
+                </a:solidFill>
+              </a14:hiddenFill>
+            </a:ext>
+            <a:ext uri="{91240B29-F687-4F45-9708-019B960494DF}">
+              <a14:hiddenLine xmlns:a14="http://schemas.microsoft.com/office/drawing/2010/main" w="9525">
+                <a:solidFill>
+                  <a:schemeClr val="tx1"/>
+                </a:solidFill>
+                <a:miter lim="800000"/>
+                <a:headEnd/>
+                <a:tailEnd/>
+              </a14:hiddenLine>
+            </a:ext>
+            <a:ext uri="{AF507438-7753-43E0-B8FC-AC1667EBCBE1}">
+              <a14:hiddenEffects xmlns:a14="http://schemas.microsoft.com/office/drawing/2010/main">
+                <a:effectLst>
+                  <a:outerShdw dist="35921" dir="2700000" algn="ctr" rotWithShape="0">
+                    <a:schemeClr val="bg2"/>
+                  </a:outerShdw>
+                </a:effectLst>
+              </a14:hiddenEffects>
+            </a:ext>
+          </a:extLst>
+        </p:spPr>
+      </p:pic>
+      <p:sp>
+        <p:nvSpPr>
+          <p:cNvPr id="7" name="TextBox 6"/>
+          <p:cNvSpPr txBox="1"/>
+          <p:nvPr/>
+        </p:nvSpPr>
+        <p:spPr>
+          <a:xfrm>
+            <a:off x="4798678" y="4962525"/>
+            <a:ext cx="3763403" cy="646331"/>
+          </a:xfrm>
+          <a:prstGeom prst="rect">
+            <a:avLst/>
+          </a:prstGeom>
+          <a:noFill/>
+        </p:spPr>
+        <p:txBody>
+          <a:bodyPr wrap="none" rtlCol="0">
+            <a:spAutoFit/>
+          </a:bodyPr>
+          <a:lstStyle/>
+          <a:p>
+            <a:r>
+              <a:rPr lang="en-US" dirty="0" smtClean="0">
+                <a:solidFill>
+                  <a:srgbClr val="FF0000"/>
+                </a:solidFill>
+              </a:rPr>
+              <a:t>All branch records and only records</a:t>
+            </a:r>
+          </a:p>
+          <a:p>
+            <a:r>
+              <a:rPr lang="en-US" dirty="0" smtClean="0">
+                <a:solidFill>
+                  <a:srgbClr val="FF0000"/>
+                </a:solidFill>
+              </a:rPr>
+              <a:t>From employee with matching criteria</a:t>
+            </a:r>
+            <a:endParaRPr lang="en-US" dirty="0">
+              <a:solidFill>
+                <a:srgbClr val="FF0000"/>
+              </a:solidFill>
+            </a:endParaRPr>
+          </a:p>
+        </p:txBody>
+      </p:sp>
+      <p:pic>
+        <p:nvPicPr>
+          <p:cNvPr id="1036" name="Picture 12"/>
+          <p:cNvPicPr>
+            <a:picLocks noChangeAspect="1" noChangeArrowheads="1"/>
+          </p:cNvPicPr>
+          <p:nvPr/>
+        </p:nvPicPr>
+        <p:blipFill>
+          <a:blip r:embed="rId4">
+            <a:extLst>
+              <a:ext uri="{28A0092B-C50C-407E-A947-70E740481C1C}">
+                <a14:useLocalDpi xmlns:a14="http://schemas.microsoft.com/office/drawing/2010/main" val="0"/>
+              </a:ext>
+            </a:extLst>
+          </a:blip>
+          <a:srcRect/>
+          <a:stretch>
+            <a:fillRect/>
+          </a:stretch>
+        </p:blipFill>
+        <p:spPr bwMode="auto">
+          <a:xfrm>
+            <a:off x="685800" y="2895600"/>
+            <a:ext cx="2428875" cy="1381125"/>
+          </a:xfrm>
+          <a:prstGeom prst="rect">
+            <a:avLst/>
+          </a:prstGeom>
+          <a:noFill/>
+          <a:ln>
+            <a:noFill/>
+          </a:ln>
+          <a:effectLst/>
+          <a:extLst>
+            <a:ext uri="{909E8E84-426E-40DD-AFC4-6F175D3DCCD1}">
+              <a14:hiddenFill xmlns:a14="http://schemas.microsoft.com/office/drawing/2010/main">
+                <a:solidFill>
+                  <a:schemeClr val="accent1"/>
+                </a:solidFill>
+              </a14:hiddenFill>
+            </a:ext>
+            <a:ext uri="{91240B29-F687-4F45-9708-019B960494DF}">
+              <a14:hiddenLine xmlns:a14="http://schemas.microsoft.com/office/drawing/2010/main" w="9525">
+                <a:solidFill>
+                  <a:schemeClr val="tx1"/>
+                </a:solidFill>
+                <a:miter lim="800000"/>
+                <a:headEnd/>
+                <a:tailEnd/>
+              </a14:hiddenLine>
+            </a:ext>
+            <a:ext uri="{AF507438-7753-43E0-B8FC-AC1667EBCBE1}">
+              <a14:hiddenEffects xmlns:a14="http://schemas.microsoft.com/office/drawing/2010/main">
+                <a:effectLst>
+                  <a:outerShdw dist="35921" dir="2700000" algn="ctr" rotWithShape="0">
+                    <a:schemeClr val="bg2"/>
+                  </a:outerShdw>
+                </a:effectLst>
+              </a14:hiddenEffects>
+            </a:ext>
+          </a:extLst>
+        </p:spPr>
+      </p:pic>
+      <p:pic>
+        <p:nvPicPr>
+          <p:cNvPr id="1037" name="Picture 13"/>
+          <p:cNvPicPr>
+            <a:picLocks noChangeAspect="1" noChangeArrowheads="1"/>
+          </p:cNvPicPr>
+          <p:nvPr/>
+        </p:nvPicPr>
+        <p:blipFill>
+          <a:blip r:embed="rId5">
+            <a:extLst>
+              <a:ext uri="{28A0092B-C50C-407E-A947-70E740481C1C}">
+                <a14:useLocalDpi xmlns:a14="http://schemas.microsoft.com/office/drawing/2010/main" val="0"/>
+              </a:ext>
+            </a:extLst>
+          </a:blip>
+          <a:srcRect/>
+          <a:stretch>
+            <a:fillRect/>
+          </a:stretch>
+        </p:blipFill>
+        <p:spPr bwMode="auto">
+          <a:xfrm>
+            <a:off x="694961" y="4538662"/>
+            <a:ext cx="3267075" cy="847725"/>
+          </a:xfrm>
+          <a:prstGeom prst="rect">
+            <a:avLst/>
+          </a:prstGeom>
+          <a:noFill/>
+          <a:ln>
+            <a:noFill/>
+          </a:ln>
+          <a:effectLst/>
+          <a:extLst>
+            <a:ext uri="{909E8E84-426E-40DD-AFC4-6F175D3DCCD1}">
+              <a14:hiddenFill xmlns:a14="http://schemas.microsoft.com/office/drawing/2010/main">
+                <a:solidFill>
+                  <a:schemeClr val="accent1"/>
+                </a:solidFill>
+              </a14:hiddenFill>
+            </a:ext>
+            <a:ext uri="{91240B29-F687-4F45-9708-019B960494DF}">
+              <a14:hiddenLine xmlns:a14="http://schemas.microsoft.com/office/drawing/2010/main" w="9525">
+                <a:solidFill>
+                  <a:schemeClr val="tx1"/>
+                </a:solidFill>
+                <a:miter lim="800000"/>
+                <a:headEnd/>
+                <a:tailEnd/>
+              </a14:hiddenLine>
+            </a:ext>
+            <a:ext uri="{AF507438-7753-43E0-B8FC-AC1667EBCBE1}">
+              <a14:hiddenEffects xmlns:a14="http://schemas.microsoft.com/office/drawing/2010/main">
+                <a:effectLst>
+                  <a:outerShdw dist="35921" dir="2700000" algn="ctr" rotWithShape="0">
+                    <a:schemeClr val="bg2"/>
+                  </a:outerShdw>
+                </a:effectLst>
+              </a14:hiddenEffects>
+            </a:ext>
+          </a:extLst>
+        </p:spPr>
+      </p:pic>
+      <p:pic>
+        <p:nvPicPr>
+          <p:cNvPr id="1038" name="Picture 14"/>
+          <p:cNvPicPr>
+            <a:picLocks noChangeAspect="1" noChangeArrowheads="1"/>
+          </p:cNvPicPr>
+          <p:nvPr/>
+        </p:nvPicPr>
+        <p:blipFill>
+          <a:blip r:embed="rId6">
+            <a:extLst>
+              <a:ext uri="{28A0092B-C50C-407E-A947-70E740481C1C}">
+                <a14:useLocalDpi xmlns:a14="http://schemas.microsoft.com/office/drawing/2010/main" val="0"/>
+              </a:ext>
+            </a:extLst>
+          </a:blip>
+          <a:srcRect/>
+          <a:stretch>
+            <a:fillRect/>
+          </a:stretch>
+        </p:blipFill>
+        <p:spPr bwMode="auto">
+          <a:xfrm>
+            <a:off x="5348720" y="3767138"/>
+            <a:ext cx="1895475" cy="828675"/>
+          </a:xfrm>
+          <a:prstGeom prst="rect">
+            <a:avLst/>
+          </a:prstGeom>
+          <a:noFill/>
+          <a:ln>
+            <a:noFill/>
+          </a:ln>
+          <a:effectLst/>
+          <a:extLst>
+            <a:ext uri="{909E8E84-426E-40DD-AFC4-6F175D3DCCD1}">
+              <a14:hiddenFill xmlns:a14="http://schemas.microsoft.com/office/drawing/2010/main">
+                <a:solidFill>
+                  <a:schemeClr val="accent1"/>
+                </a:solidFill>
+              </a14:hiddenFill>
+            </a:ext>
+            <a:ext uri="{91240B29-F687-4F45-9708-019B960494DF}">
+              <a14:hiddenLine xmlns:a14="http://schemas.microsoft.com/office/drawing/2010/main" w="9525">
+                <a:solidFill>
+                  <a:schemeClr val="tx1"/>
+                </a:solidFill>
+                <a:miter lim="800000"/>
+                <a:headEnd/>
+                <a:tailEnd/>
+              </a14:hiddenLine>
+            </a:ext>
+            <a:ext uri="{AF507438-7753-43E0-B8FC-AC1667EBCBE1}">
+              <a14:hiddenEffects xmlns:a14="http://schemas.microsoft.com/office/drawing/2010/main">
+                <a:effectLst>
+                  <a:outerShdw dist="35921" dir="2700000" algn="ctr" rotWithShape="0">
+                    <a:schemeClr val="bg2"/>
+                  </a:outerShdw>
+                </a:effectLst>
+              </a14:hiddenEffects>
+            </a:ext>
+          </a:extLst>
+        </p:spPr>
+      </p:pic>
     </p:spTree>
     <p:extLst>
       <p:ext uri="{BB962C8B-B14F-4D97-AF65-F5344CB8AC3E}">
@@ -4155,6 +6806,13 @@
   <p:clrMapOvr>
     <a:masterClrMapping/>
   </p:clrMapOvr>
+  <p:timing>
+    <p:tnLst>
+      <p:par>
+        <p:cTn id="1" dur="indefinite" restart="never" nodeType="tmRoot"/>
+      </p:par>
+    </p:tnLst>
+  </p:timing>
 </p:sld>
 </file>
 

--- a/src/db/DB.pptx
+++ b/src/db/DB.pptx
@@ -15,6 +15,7 @@
     <p:sldId id="261" r:id="rId9"/>
     <p:sldId id="259" r:id="rId10"/>
     <p:sldId id="266" r:id="rId11"/>
+    <p:sldId id="267" r:id="rId12"/>
   </p:sldIdLst>
   <p:sldSz cx="9144000" cy="6858000" type="screen4x3"/>
   <p:notesSz cx="6858000" cy="9144000"/>
@@ -298,7 +299,7 @@
             <a:fld id="{1D8BD707-D9CF-40AE-B4C6-C98DA3205C09}" type="datetimeFigureOut">
               <a:rPr lang="en-US" smtClean="0"/>
               <a:pPr/>
-              <a:t>11/14/2021</a:t>
+              <a:t>11/15/2021</a:t>
             </a:fld>
             <a:endParaRPr lang="en-US"/>
           </a:p>
@@ -465,7 +466,7 @@
             <a:fld id="{1D8BD707-D9CF-40AE-B4C6-C98DA3205C09}" type="datetimeFigureOut">
               <a:rPr lang="en-US" smtClean="0"/>
               <a:pPr/>
-              <a:t>11/14/2021</a:t>
+              <a:t>11/15/2021</a:t>
             </a:fld>
             <a:endParaRPr lang="en-US"/>
           </a:p>
@@ -642,7 +643,7 @@
             <a:fld id="{1D8BD707-D9CF-40AE-B4C6-C98DA3205C09}" type="datetimeFigureOut">
               <a:rPr lang="en-US" smtClean="0"/>
               <a:pPr/>
-              <a:t>11/14/2021</a:t>
+              <a:t>11/15/2021</a:t>
             </a:fld>
             <a:endParaRPr lang="en-US"/>
           </a:p>
@@ -809,7 +810,7 @@
             <a:fld id="{1D8BD707-D9CF-40AE-B4C6-C98DA3205C09}" type="datetimeFigureOut">
               <a:rPr lang="en-US" smtClean="0"/>
               <a:pPr/>
-              <a:t>11/14/2021</a:t>
+              <a:t>11/15/2021</a:t>
             </a:fld>
             <a:endParaRPr lang="en-US"/>
           </a:p>
@@ -1052,7 +1053,7 @@
             <a:fld id="{1D8BD707-D9CF-40AE-B4C6-C98DA3205C09}" type="datetimeFigureOut">
               <a:rPr lang="en-US" smtClean="0"/>
               <a:pPr/>
-              <a:t>11/14/2021</a:t>
+              <a:t>11/15/2021</a:t>
             </a:fld>
             <a:endParaRPr lang="en-US"/>
           </a:p>
@@ -1337,7 +1338,7 @@
             <a:fld id="{1D8BD707-D9CF-40AE-B4C6-C98DA3205C09}" type="datetimeFigureOut">
               <a:rPr lang="en-US" smtClean="0"/>
               <a:pPr/>
-              <a:t>11/14/2021</a:t>
+              <a:t>11/15/2021</a:t>
             </a:fld>
             <a:endParaRPr lang="en-US"/>
           </a:p>
@@ -1756,7 +1757,7 @@
             <a:fld id="{1D8BD707-D9CF-40AE-B4C6-C98DA3205C09}" type="datetimeFigureOut">
               <a:rPr lang="en-US" smtClean="0"/>
               <a:pPr/>
-              <a:t>11/14/2021</a:t>
+              <a:t>11/15/2021</a:t>
             </a:fld>
             <a:endParaRPr lang="en-US"/>
           </a:p>
@@ -1871,7 +1872,7 @@
             <a:fld id="{1D8BD707-D9CF-40AE-B4C6-C98DA3205C09}" type="datetimeFigureOut">
               <a:rPr lang="en-US" smtClean="0"/>
               <a:pPr/>
-              <a:t>11/14/2021</a:t>
+              <a:t>11/15/2021</a:t>
             </a:fld>
             <a:endParaRPr lang="en-US"/>
           </a:p>
@@ -1963,7 +1964,7 @@
             <a:fld id="{1D8BD707-D9CF-40AE-B4C6-C98DA3205C09}" type="datetimeFigureOut">
               <a:rPr lang="en-US" smtClean="0"/>
               <a:pPr/>
-              <a:t>11/14/2021</a:t>
+              <a:t>11/15/2021</a:t>
             </a:fld>
             <a:endParaRPr lang="en-US"/>
           </a:p>
@@ -2237,7 +2238,7 @@
             <a:fld id="{1D8BD707-D9CF-40AE-B4C6-C98DA3205C09}" type="datetimeFigureOut">
               <a:rPr lang="en-US" smtClean="0"/>
               <a:pPr/>
-              <a:t>11/14/2021</a:t>
+              <a:t>11/15/2021</a:t>
             </a:fld>
             <a:endParaRPr lang="en-US"/>
           </a:p>
@@ -2487,7 +2488,7 @@
             <a:fld id="{1D8BD707-D9CF-40AE-B4C6-C98DA3205C09}" type="datetimeFigureOut">
               <a:rPr lang="en-US" smtClean="0"/>
               <a:pPr/>
-              <a:t>11/14/2021</a:t>
+              <a:t>11/15/2021</a:t>
             </a:fld>
             <a:endParaRPr lang="en-US"/>
           </a:p>
@@ -2697,7 +2698,7 @@
             <a:fld id="{1D8BD707-D9CF-40AE-B4C6-C98DA3205C09}" type="datetimeFigureOut">
               <a:rPr lang="en-US" smtClean="0"/>
               <a:pPr/>
-              <a:t>11/14/2021</a:t>
+              <a:t>11/15/2021</a:t>
             </a:fld>
             <a:endParaRPr lang="en-US"/>
           </a:p>
@@ -3400,6 +3401,36 @@
       </p:par>
     </p:tnLst>
   </p:timing>
+</p:sld>
+</file>
+
+<file path=ppt/slides/slide11.xml><?xml version="1.0" encoding="utf-8"?>
+<p:sld xmlns:a="http://schemas.openxmlformats.org/drawingml/2006/main" xmlns:r="http://schemas.openxmlformats.org/officeDocument/2006/relationships" xmlns:p="http://schemas.openxmlformats.org/presentationml/2006/main">
+  <p:cSld>
+    <p:spTree>
+      <p:nvGrpSpPr>
+        <p:cNvPr id="1" name=""/>
+        <p:cNvGrpSpPr/>
+        <p:nvPr/>
+      </p:nvGrpSpPr>
+      <p:grpSpPr>
+        <a:xfrm>
+          <a:off x="0" y="0"/>
+          <a:ext cx="0" cy="0"/>
+          <a:chOff x="0" y="0"/>
+          <a:chExt cx="0" cy="0"/>
+        </a:xfrm>
+      </p:grpSpPr>
+    </p:spTree>
+    <p:extLst>
+      <p:ext uri="{BB962C8B-B14F-4D97-AF65-F5344CB8AC3E}">
+        <p14:creationId xmlns:p14="http://schemas.microsoft.com/office/powerpoint/2010/main" val="629442648"/>
+      </p:ext>
+    </p:extLst>
+  </p:cSld>
+  <p:clrMapOvr>
+    <a:masterClrMapping/>
+  </p:clrMapOvr>
 </p:sld>
 </file>
 
